--- a/PPT/第三部分 软件测试应用/10.1 软件开发模型.pptx
+++ b/PPT/第三部分 软件测试应用/10.1 软件开发模型.pptx
@@ -18551,8 +18551,8 @@
         </p:nvSpPr>
         <p:spPr>
           <a:xfrm>
-            <a:off x="899592" y="1628800"/>
-            <a:ext cx="7666037" cy="4999112"/>
+            <a:off x="611560" y="1598240"/>
+            <a:ext cx="8244408" cy="4999112"/>
           </a:xfrm>
         </p:spPr>
         <p:txBody>

--- a/PPT/第三部分 软件测试应用/10.1 软件开发模型.pptx
+++ b/PPT/第三部分 软件测试应用/10.1 软件开发模型.pptx
@@ -5,10 +5,10 @@
     <p:sldMasterId id="2147483776" r:id="rId1"/>
   </p:sldMasterIdLst>
   <p:notesMasterIdLst>
-    <p:notesMasterId r:id="rId27"/>
+    <p:notesMasterId r:id="rId23"/>
   </p:notesMasterIdLst>
   <p:handoutMasterIdLst>
-    <p:handoutMasterId r:id="rId28"/>
+    <p:handoutMasterId r:id="rId24"/>
   </p:handoutMasterIdLst>
   <p:sldIdLst>
     <p:sldId id="256" r:id="rId2"/>
@@ -24,18 +24,14 @@
     <p:sldId id="327" r:id="rId12"/>
     <p:sldId id="328" r:id="rId13"/>
     <p:sldId id="329" r:id="rId14"/>
-    <p:sldId id="338" r:id="rId15"/>
-    <p:sldId id="337" r:id="rId16"/>
-    <p:sldId id="339" r:id="rId17"/>
-    <p:sldId id="340" r:id="rId18"/>
-    <p:sldId id="330" r:id="rId19"/>
-    <p:sldId id="331" r:id="rId20"/>
-    <p:sldId id="332" r:id="rId21"/>
-    <p:sldId id="333" r:id="rId22"/>
-    <p:sldId id="334" r:id="rId23"/>
-    <p:sldId id="335" r:id="rId24"/>
-    <p:sldId id="336" r:id="rId25"/>
-    <p:sldId id="316" r:id="rId26"/>
+    <p:sldId id="330" r:id="rId15"/>
+    <p:sldId id="331" r:id="rId16"/>
+    <p:sldId id="332" r:id="rId17"/>
+    <p:sldId id="333" r:id="rId18"/>
+    <p:sldId id="334" r:id="rId19"/>
+    <p:sldId id="335" r:id="rId20"/>
+    <p:sldId id="336" r:id="rId21"/>
+    <p:sldId id="316" r:id="rId22"/>
   </p:sldIdLst>
   <p:sldSz cx="9144000" cy="6858000" type="screen4x3"/>
   <p:notesSz cx="6858000" cy="9144000"/>
@@ -1136,441 +1132,7 @@
           </a:bodyPr>
           <a:lstStyle/>
           <a:p>
-            <a:pPr marL="0" marR="0" lvl="1" indent="0" algn="l" defTabSz="914400" rtl="0" eaLnBrk="0" fontAlgn="base" latinLnBrk="0" hangingPunct="0">
-              <a:lnSpc>
-                <a:spcPct val="100000"/>
-              </a:lnSpc>
-              <a:spcBef>
-                <a:spcPct val="30000"/>
-              </a:spcBef>
-              <a:spcAft>
-                <a:spcPct val="0"/>
-              </a:spcAft>
-              <a:buClrTx/>
-              <a:buSzTx/>
-              <a:buFontTx/>
-              <a:buNone/>
-              <a:tabLst/>
-              <a:defRPr/>
-            </a:pPr>
-            <a:r>
-              <a:rPr kumimoji="1" lang="zh-CN" altLang="en-US" dirty="0" smtClean="0"/>
-              <a:t>究竟何为瀑布模型呢？通过定义及特点的介绍让大家来进行理解。</a:t>
-            </a:r>
-            <a:endParaRPr kumimoji="1" lang="en-US" altLang="zh-CN" dirty="0" smtClean="0"/>
-          </a:p>
-          <a:p>
-            <a:pPr marL="0" marR="0" lvl="1" indent="0" algn="l" defTabSz="914400" rtl="0" eaLnBrk="0" fontAlgn="base" latinLnBrk="0" hangingPunct="0">
-              <a:lnSpc>
-                <a:spcPct val="100000"/>
-              </a:lnSpc>
-              <a:spcBef>
-                <a:spcPct val="30000"/>
-              </a:spcBef>
-              <a:spcAft>
-                <a:spcPct val="0"/>
-              </a:spcAft>
-              <a:buClrTx/>
-              <a:buSzTx/>
-              <a:buFontTx/>
-              <a:buNone/>
-              <a:tabLst/>
-              <a:defRPr/>
-            </a:pPr>
-            <a:r>
-              <a:rPr lang="zh-CN" altLang="zh-CN" sz="1200" kern="1200" dirty="0" smtClean="0">
-                <a:solidFill>
-                  <a:schemeClr val="tx1"/>
-                </a:solidFill>
-                <a:effectLst/>
-                <a:latin typeface="+mn-lt"/>
-                <a:ea typeface="+mn-ea"/>
-                <a:cs typeface="+mn-cs"/>
-              </a:rPr>
-              <a:t>瀑布模型是最早出现的软件开发模型，在软件工程中占有重要的地位，它提供了软件开发的基本框架。</a:t>
-            </a:r>
-            <a:endParaRPr kumimoji="1" lang="en-US" altLang="zh-CN" dirty="0" smtClean="0"/>
-          </a:p>
-          <a:p>
-            <a:pPr marL="0" marR="0" lvl="1" indent="0" algn="l" defTabSz="914400" rtl="0" eaLnBrk="0" fontAlgn="base" latinLnBrk="0" hangingPunct="0">
-              <a:lnSpc>
-                <a:spcPct val="100000"/>
-              </a:lnSpc>
-              <a:spcBef>
-                <a:spcPct val="30000"/>
-              </a:spcBef>
-              <a:spcAft>
-                <a:spcPct val="0"/>
-              </a:spcAft>
-              <a:buClrTx/>
-              <a:buSzTx/>
-              <a:buFontTx/>
-              <a:buNone/>
-              <a:tabLst/>
-              <a:defRPr/>
-            </a:pPr>
-            <a:endParaRPr lang="en-US" altLang="zh-CN" dirty="0" smtClean="0"/>
-          </a:p>
-          <a:p>
-            <a:pPr marL="0" marR="0" lvl="1" indent="0" algn="l" defTabSz="914400" rtl="0" eaLnBrk="0" fontAlgn="base" latinLnBrk="0" hangingPunct="0">
-              <a:lnSpc>
-                <a:spcPct val="100000"/>
-              </a:lnSpc>
-              <a:spcBef>
-                <a:spcPct val="30000"/>
-              </a:spcBef>
-              <a:spcAft>
-                <a:spcPct val="0"/>
-              </a:spcAft>
-              <a:buClrTx/>
-              <a:buSzTx/>
-              <a:buFontTx/>
-              <a:buNone/>
-              <a:tabLst/>
-              <a:defRPr/>
-            </a:pPr>
-            <a:r>
-              <a:rPr lang="en-US" altLang="zh-CN" dirty="0" smtClean="0"/>
-              <a:t>1</a:t>
-            </a:r>
-            <a:r>
-              <a:rPr lang="zh-CN" altLang="en-US" dirty="0" smtClean="0"/>
-              <a:t>瀑布模型如同</a:t>
-            </a:r>
-            <a:r>
-              <a:rPr lang="en-US" altLang="zh-CN" dirty="0" smtClean="0"/>
-              <a:t>…  </a:t>
-            </a:r>
-            <a:r>
-              <a:rPr lang="zh-CN" altLang="en-US" dirty="0" smtClean="0"/>
-              <a:t>故依据其样式瀑布模型由此得名</a:t>
-            </a:r>
-            <a:endParaRPr lang="en-US" altLang="zh-CN" dirty="0" smtClean="0"/>
-          </a:p>
-          <a:p>
-            <a:pPr marL="0" marR="0" lvl="1" indent="0" algn="l" defTabSz="914400" rtl="0" eaLnBrk="0" fontAlgn="base" latinLnBrk="0" hangingPunct="0">
-              <a:lnSpc>
-                <a:spcPct val="100000"/>
-              </a:lnSpc>
-              <a:spcBef>
-                <a:spcPct val="30000"/>
-              </a:spcBef>
-              <a:spcAft>
-                <a:spcPct val="0"/>
-              </a:spcAft>
-              <a:buClrTx/>
-              <a:buSzTx/>
-              <a:buFontTx/>
-              <a:buNone/>
-              <a:tabLst/>
-              <a:defRPr/>
-            </a:pPr>
-            <a:r>
-              <a:rPr lang="en-US" altLang="zh-CN" dirty="0" smtClean="0"/>
-              <a:t>2</a:t>
-            </a:r>
-            <a:r>
-              <a:rPr lang="zh-CN" altLang="en-US" dirty="0" smtClean="0"/>
-              <a:t>瀑布模型是</a:t>
-            </a:r>
-            <a:r>
-              <a:rPr lang="en-US" altLang="zh-CN" dirty="0" smtClean="0"/>
-              <a:t>…(</a:t>
-            </a:r>
-            <a:r>
-              <a:rPr lang="zh-CN" altLang="en-US" dirty="0" smtClean="0"/>
-              <a:t>第二句话</a:t>
-            </a:r>
-            <a:r>
-              <a:rPr lang="en-US" altLang="zh-CN" dirty="0" smtClean="0"/>
-              <a:t>)</a:t>
-            </a:r>
-            <a:r>
-              <a:rPr lang="en-US" altLang="zh-CN" baseline="0" dirty="0" smtClean="0"/>
-              <a:t>  </a:t>
-            </a:r>
-            <a:r>
-              <a:rPr lang="zh-CN" altLang="en-US" dirty="0" smtClean="0"/>
-              <a:t>规定了由前至后、相互衔接的固定次序。该生存周期活动从上一阶段向下一阶段逐级过渡，就如同前面所述如瀑布流水下泻</a:t>
-            </a:r>
-            <a:r>
-              <a:rPr lang="zh-CN" altLang="en-US" baseline="0" dirty="0" smtClean="0"/>
-              <a:t>  最终得到软件开发的产品  投入使用    </a:t>
-            </a:r>
-            <a:r>
-              <a:rPr lang="zh-CN" altLang="zh-CN" sz="1200" kern="1200" dirty="0" smtClean="0">
-                <a:solidFill>
-                  <a:schemeClr val="tx1"/>
-                </a:solidFill>
-                <a:effectLst/>
-                <a:latin typeface="+mn-lt"/>
-                <a:ea typeface="+mn-ea"/>
-                <a:cs typeface="+mn-cs"/>
-              </a:rPr>
-              <a:t>瀑布模型的本质</a:t>
-            </a:r>
-            <a:r>
-              <a:rPr lang="zh-CN" altLang="en-US" sz="1200" kern="1200" dirty="0" smtClean="0">
-                <a:solidFill>
-                  <a:schemeClr val="tx1"/>
-                </a:solidFill>
-                <a:effectLst/>
-                <a:latin typeface="+mn-lt"/>
-                <a:ea typeface="+mn-ea"/>
-                <a:cs typeface="+mn-cs"/>
-              </a:rPr>
-              <a:t>强调</a:t>
-            </a:r>
-            <a:r>
-              <a:rPr lang="zh-CN" altLang="zh-CN" sz="1200" kern="1200" dirty="0" smtClean="0">
-                <a:solidFill>
-                  <a:schemeClr val="tx1"/>
-                </a:solidFill>
-                <a:effectLst/>
-                <a:latin typeface="+mn-lt"/>
-                <a:ea typeface="+mn-ea"/>
-                <a:cs typeface="+mn-cs"/>
-              </a:rPr>
-              <a:t>一次通过，即每个活动只执行一次，最后得到软件产品，</a:t>
-            </a:r>
-            <a:r>
-              <a:rPr lang="zh-CN" altLang="en-US" sz="1200" kern="1200" dirty="0" smtClean="0">
-                <a:solidFill>
-                  <a:schemeClr val="tx1"/>
-                </a:solidFill>
-                <a:effectLst/>
-                <a:latin typeface="+mn-lt"/>
-                <a:ea typeface="+mn-ea"/>
-                <a:cs typeface="+mn-cs"/>
-              </a:rPr>
-              <a:t>有些书籍</a:t>
-            </a:r>
-            <a:r>
-              <a:rPr lang="zh-CN" altLang="zh-CN" sz="1200" kern="1200" dirty="0" smtClean="0">
-                <a:solidFill>
-                  <a:schemeClr val="tx1"/>
-                </a:solidFill>
-                <a:effectLst/>
-                <a:latin typeface="+mn-lt"/>
-                <a:ea typeface="+mn-ea"/>
-                <a:cs typeface="+mn-cs"/>
-              </a:rPr>
-              <a:t>也称</a:t>
-            </a:r>
-            <a:r>
-              <a:rPr lang="zh-CN" altLang="en-US" sz="1200" kern="1200" dirty="0" smtClean="0">
-                <a:solidFill>
-                  <a:schemeClr val="tx1"/>
-                </a:solidFill>
-                <a:effectLst/>
-                <a:latin typeface="+mn-lt"/>
-                <a:ea typeface="+mn-ea"/>
-                <a:cs typeface="+mn-cs"/>
-              </a:rPr>
-              <a:t>其</a:t>
-            </a:r>
-            <a:r>
-              <a:rPr lang="zh-CN" altLang="zh-CN" sz="1200" kern="1200" dirty="0" smtClean="0">
-                <a:solidFill>
-                  <a:schemeClr val="tx1"/>
-                </a:solidFill>
-                <a:effectLst/>
-                <a:latin typeface="+mn-lt"/>
-                <a:ea typeface="+mn-ea"/>
-                <a:cs typeface="+mn-cs"/>
-              </a:rPr>
-              <a:t>为</a:t>
-            </a:r>
-            <a:r>
-              <a:rPr lang="en-US" altLang="zh-CN" sz="1200" kern="1200" dirty="0" smtClean="0">
-                <a:solidFill>
-                  <a:schemeClr val="tx1"/>
-                </a:solidFill>
-                <a:effectLst/>
-                <a:latin typeface="+mn-lt"/>
-                <a:ea typeface="+mn-ea"/>
-                <a:cs typeface="+mn-cs"/>
-              </a:rPr>
-              <a:t>“</a:t>
-            </a:r>
-            <a:r>
-              <a:rPr lang="zh-CN" altLang="zh-CN" sz="1200" kern="1200" dirty="0" smtClean="0">
-                <a:solidFill>
-                  <a:schemeClr val="tx1"/>
-                </a:solidFill>
-                <a:effectLst/>
-                <a:latin typeface="+mn-lt"/>
-                <a:ea typeface="+mn-ea"/>
-                <a:cs typeface="+mn-cs"/>
-              </a:rPr>
-              <a:t>线性顺序模型</a:t>
-            </a:r>
-            <a:r>
-              <a:rPr lang="en-US" altLang="zh-CN" sz="1200" kern="1200" dirty="0" smtClean="0">
-                <a:solidFill>
-                  <a:schemeClr val="tx1"/>
-                </a:solidFill>
-                <a:effectLst/>
-                <a:latin typeface="+mn-lt"/>
-                <a:ea typeface="+mn-ea"/>
-                <a:cs typeface="+mn-cs"/>
-              </a:rPr>
-              <a:t>”</a:t>
-            </a:r>
-            <a:r>
-              <a:rPr lang="zh-CN" altLang="zh-CN" sz="1200" kern="1200" dirty="0" smtClean="0">
-                <a:solidFill>
-                  <a:schemeClr val="tx1"/>
-                </a:solidFill>
-                <a:effectLst/>
-                <a:latin typeface="+mn-lt"/>
-                <a:ea typeface="+mn-ea"/>
-                <a:cs typeface="+mn-cs"/>
-              </a:rPr>
-              <a:t>或者</a:t>
-            </a:r>
-            <a:r>
-              <a:rPr lang="en-US" altLang="zh-CN" sz="1200" kern="1200" dirty="0" smtClean="0">
-                <a:solidFill>
-                  <a:schemeClr val="tx1"/>
-                </a:solidFill>
-                <a:effectLst/>
-                <a:latin typeface="+mn-lt"/>
-                <a:ea typeface="+mn-ea"/>
-                <a:cs typeface="+mn-cs"/>
-              </a:rPr>
-              <a:t>“</a:t>
-            </a:r>
-            <a:r>
-              <a:rPr lang="zh-CN" altLang="zh-CN" sz="1200" kern="1200" dirty="0" smtClean="0">
-                <a:solidFill>
-                  <a:schemeClr val="tx1"/>
-                </a:solidFill>
-                <a:effectLst/>
-                <a:latin typeface="+mn-lt"/>
-                <a:ea typeface="+mn-ea"/>
-                <a:cs typeface="+mn-cs"/>
-              </a:rPr>
-              <a:t>传统生命周期</a:t>
-            </a:r>
-            <a:r>
-              <a:rPr lang="en-US" altLang="zh-CN" sz="1200" kern="1200" dirty="0" smtClean="0">
-                <a:solidFill>
-                  <a:schemeClr val="tx1"/>
-                </a:solidFill>
-                <a:effectLst/>
-                <a:latin typeface="+mn-lt"/>
-                <a:ea typeface="+mn-ea"/>
-                <a:cs typeface="+mn-cs"/>
-              </a:rPr>
-              <a:t>”</a:t>
-            </a:r>
-            <a:r>
-              <a:rPr lang="zh-CN" altLang="zh-CN" sz="1200" kern="1200" dirty="0" smtClean="0">
-                <a:solidFill>
-                  <a:schemeClr val="tx1"/>
-                </a:solidFill>
-                <a:effectLst/>
-                <a:latin typeface="+mn-lt"/>
-                <a:ea typeface="+mn-ea"/>
-                <a:cs typeface="+mn-cs"/>
-              </a:rPr>
-              <a:t>。</a:t>
-            </a:r>
-            <a:endParaRPr lang="zh-CN" altLang="en-US" dirty="0" smtClean="0"/>
-          </a:p>
-          <a:p>
-            <a:pPr marL="0" marR="0" lvl="1" indent="0" algn="l" defTabSz="914400" rtl="0" eaLnBrk="0" fontAlgn="base" latinLnBrk="0" hangingPunct="0">
-              <a:lnSpc>
-                <a:spcPct val="100000"/>
-              </a:lnSpc>
-              <a:spcBef>
-                <a:spcPct val="30000"/>
-              </a:spcBef>
-              <a:spcAft>
-                <a:spcPct val="0"/>
-              </a:spcAft>
-              <a:buClrTx/>
-              <a:buSzTx/>
-              <a:buFontTx/>
-              <a:buNone/>
-              <a:tabLst/>
-              <a:defRPr/>
-            </a:pPr>
-            <a:endParaRPr lang="en-US" altLang="zh-CN" baseline="0" dirty="0" smtClean="0"/>
-          </a:p>
-          <a:p>
-            <a:r>
-              <a:rPr lang="en-US" altLang="zh-CN" baseline="0" dirty="0" smtClean="0"/>
-              <a:t>3 </a:t>
-            </a:r>
-            <a:r>
-              <a:rPr lang="zh-CN" altLang="en-US" baseline="0" dirty="0" smtClean="0"/>
-              <a:t>包含阶段  当然比较灵活  细节上有所差异</a:t>
-            </a:r>
-            <a:endParaRPr lang="en-US" altLang="zh-CN" baseline="0" dirty="0" smtClean="0"/>
-          </a:p>
-          <a:p>
-            <a:endParaRPr lang="en-US" altLang="zh-CN" baseline="0" dirty="0" smtClean="0"/>
-          </a:p>
-          <a:p>
-            <a:r>
-              <a:rPr lang="zh-CN" altLang="en-US" baseline="0" dirty="0" smtClean="0"/>
-              <a:t>我们可进一步提取出瀑布模型的两个特点 </a:t>
-            </a:r>
-            <a:r>
-              <a:rPr lang="en-US" altLang="zh-CN" baseline="0" dirty="0" smtClean="0"/>
-              <a:t>……  </a:t>
-            </a:r>
-            <a:r>
-              <a:rPr lang="zh-CN" altLang="en-US" baseline="0" dirty="0" smtClean="0"/>
-              <a:t>也就是说</a:t>
-            </a:r>
-            <a:endParaRPr lang="en-US" altLang="zh-CN" baseline="0" dirty="0" smtClean="0"/>
-          </a:p>
-          <a:p>
-            <a:pPr marL="533400" indent="-533400" eaLnBrk="1" hangingPunct="1">
-              <a:buClr>
-                <a:srgbClr val="993300"/>
-              </a:buClr>
-              <a:buSzPct val="80000"/>
-              <a:buFont typeface="Wingdings" pitchFamily="2" charset="2"/>
-              <a:buNone/>
-            </a:pPr>
-            <a:r>
-              <a:rPr lang="zh-CN" altLang="en-US" sz="2400" b="1" dirty="0" smtClean="0">
-                <a:solidFill>
-                  <a:srgbClr val="FF3300"/>
-                </a:solidFill>
-                <a:ea typeface="华文中宋" pitchFamily="2" charset="-122"/>
-              </a:rPr>
-              <a:t>在瀑布模型中，软件开发的各项活动严格按照线性方式进行，当前活动接受上一项活动的工作结果的影响，实施完成所需的工作内容  </a:t>
-            </a:r>
-            <a:endParaRPr lang="en-US" altLang="zh-CN" sz="2400" b="1" dirty="0" smtClean="0">
-              <a:solidFill>
-                <a:srgbClr val="FF3300"/>
-              </a:solidFill>
-              <a:ea typeface="华文中宋" pitchFamily="2" charset="-122"/>
-            </a:endParaRPr>
-          </a:p>
-          <a:p>
-            <a:pPr marL="914400" lvl="1" indent="-457200" eaLnBrk="1" hangingPunct="1">
-              <a:buClr>
-                <a:srgbClr val="993300"/>
-              </a:buClr>
-              <a:buSzPct val="80000"/>
-              <a:buFont typeface="Wingdings" pitchFamily="2" charset="2"/>
-              <a:buChar char="l"/>
-            </a:pPr>
-            <a:r>
-              <a:rPr lang="zh-CN" altLang="en-US" sz="2400" b="1" dirty="0" smtClean="0">
-                <a:ea typeface="华文中宋" pitchFamily="2" charset="-122"/>
-              </a:rPr>
-              <a:t>对上一阶段成果实施本阶段的活动，作为本阶段的工作对象，而本阶段的成果，作为下一阶段的输入等待；</a:t>
-            </a:r>
-          </a:p>
-          <a:p>
-            <a:endParaRPr lang="en-US" altLang="zh-CN" dirty="0" smtClean="0"/>
+            <a:endParaRPr lang="en-US" altLang="zh-CN" dirty="0"/>
           </a:p>
         </p:txBody>
       </p:sp>
@@ -1597,7 +1159,7 @@
               <a:pPr>
                 <a:defRPr/>
               </a:pPr>
-              <a:t>18</a:t>
+              <a:t>14</a:t>
             </a:fld>
             <a:endParaRPr lang="zh-CN" altLang="en-US"/>
           </a:p>
@@ -1699,94 +1261,7 @@
           </a:bodyPr>
           <a:lstStyle/>
           <a:p>
-            <a:pPr marL="0" marR="0" lvl="1" indent="0" algn="l" defTabSz="914400" rtl="0" eaLnBrk="0" fontAlgn="base" latinLnBrk="0" hangingPunct="0">
-              <a:lnSpc>
-                <a:spcPct val="100000"/>
-              </a:lnSpc>
-              <a:spcBef>
-                <a:spcPct val="30000"/>
-              </a:spcBef>
-              <a:spcAft>
-                <a:spcPct val="0"/>
-              </a:spcAft>
-              <a:buClrTx/>
-              <a:buSzTx/>
-              <a:buFontTx/>
-              <a:buNone/>
-              <a:tabLst/>
-              <a:defRPr/>
-            </a:pPr>
-            <a:r>
-              <a:rPr lang="zh-CN" altLang="en-US" b="1" dirty="0" smtClean="0">
-                <a:solidFill>
-                  <a:schemeClr val="tx2">
-                    <a:lumMod val="75000"/>
-                  </a:schemeClr>
-                </a:solidFill>
-                <a:ea typeface="华文中宋" pitchFamily="2" charset="-122"/>
-              </a:rPr>
-              <a:t>在大家理解了什么是瀑布模型后</a:t>
-            </a:r>
-            <a:r>
-              <a:rPr lang="zh-CN" altLang="en-US" b="1" baseline="0" dirty="0" smtClean="0">
-                <a:solidFill>
-                  <a:schemeClr val="tx2">
-                    <a:lumMod val="75000"/>
-                  </a:schemeClr>
-                </a:solidFill>
-                <a:ea typeface="华文中宋" pitchFamily="2" charset="-122"/>
-              </a:rPr>
-              <a:t>  我们通过对该模型优缺点的分析来进一步让大家加深理解</a:t>
-            </a:r>
-            <a:endParaRPr lang="en-US" altLang="zh-CN" b="1" dirty="0" smtClean="0">
-              <a:solidFill>
-                <a:schemeClr val="tx2">
-                  <a:lumMod val="75000"/>
-                </a:schemeClr>
-              </a:solidFill>
-              <a:ea typeface="华文中宋" pitchFamily="2" charset="-122"/>
-            </a:endParaRPr>
-          </a:p>
-          <a:p>
-            <a:pPr marL="0" marR="0" lvl="1" indent="0" algn="l" defTabSz="914400" rtl="0" eaLnBrk="0" fontAlgn="base" latinLnBrk="0" hangingPunct="0">
-              <a:lnSpc>
-                <a:spcPct val="100000"/>
-              </a:lnSpc>
-              <a:spcBef>
-                <a:spcPct val="30000"/>
-              </a:spcBef>
-              <a:spcAft>
-                <a:spcPct val="0"/>
-              </a:spcAft>
-              <a:buClrTx/>
-              <a:buSzTx/>
-              <a:buFontTx/>
-              <a:buNone/>
-              <a:tabLst/>
-              <a:defRPr/>
-            </a:pPr>
-            <a:r>
-              <a:rPr lang="zh-CN" altLang="en-US" b="1" dirty="0" smtClean="0">
-                <a:solidFill>
-                  <a:schemeClr val="tx2">
-                    <a:lumMod val="75000"/>
-                  </a:schemeClr>
-                </a:solidFill>
-                <a:ea typeface="华文中宋" pitchFamily="2" charset="-122"/>
-              </a:rPr>
-              <a:t>提供了一个模板，使得分析、设计、编码、测试、运行维护可以在该模板的指导下应用。</a:t>
-            </a:r>
-            <a:endParaRPr lang="en-US" altLang="zh-CN" b="1" dirty="0" smtClean="0">
-              <a:solidFill>
-                <a:schemeClr val="tx2">
-                  <a:lumMod val="75000"/>
-                </a:schemeClr>
-              </a:solidFill>
-              <a:ea typeface="华文中宋" pitchFamily="2" charset="-122"/>
-            </a:endParaRPr>
-          </a:p>
-          <a:p>
-            <a:endParaRPr lang="en-US" altLang="zh-CN" dirty="0" smtClean="0"/>
+            <a:endParaRPr lang="en-US" altLang="zh-CN" dirty="0"/>
           </a:p>
         </p:txBody>
       </p:sp>
@@ -1813,7 +1288,7 @@
               <a:pPr>
                 <a:defRPr/>
               </a:pPr>
-              <a:t>19</a:t>
+              <a:t>15</a:t>
             </a:fld>
             <a:endParaRPr lang="zh-CN" altLang="en-US"/>
           </a:p>
@@ -1915,453 +1390,7 @@
           </a:bodyPr>
           <a:lstStyle/>
           <a:p>
-            <a:pPr latinLnBrk="1"/>
-            <a:r>
-              <a:rPr lang="en-US" altLang="zh-CN" sz="1200" kern="1200" dirty="0" smtClean="0">
-                <a:solidFill>
-                  <a:schemeClr val="tx1"/>
-                </a:solidFill>
-                <a:effectLst/>
-                <a:latin typeface="+mn-lt"/>
-                <a:ea typeface="+mn-ea"/>
-                <a:cs typeface="+mn-cs"/>
-              </a:rPr>
-              <a:t>1</a:t>
-            </a:r>
-            <a:r>
-              <a:rPr lang="zh-CN" altLang="zh-CN" sz="1200" kern="1200" dirty="0" smtClean="0">
-                <a:solidFill>
-                  <a:schemeClr val="tx1"/>
-                </a:solidFill>
-                <a:effectLst/>
-                <a:latin typeface="+mn-lt"/>
-                <a:ea typeface="+mn-ea"/>
-                <a:cs typeface="+mn-cs"/>
-              </a:rPr>
-              <a:t>由于开发模型呈</a:t>
-            </a:r>
-            <a:r>
-              <a:rPr lang="zh-CN" altLang="en-US" sz="1200" kern="1200" dirty="0" smtClean="0">
-                <a:solidFill>
-                  <a:schemeClr val="tx1"/>
-                </a:solidFill>
-                <a:effectLst/>
-                <a:latin typeface="+mn-lt"/>
-                <a:ea typeface="+mn-ea"/>
-                <a:cs typeface="+mn-cs"/>
-              </a:rPr>
-              <a:t>严格的</a:t>
-            </a:r>
-            <a:r>
-              <a:rPr lang="zh-CN" altLang="zh-CN" sz="1200" kern="1200" dirty="0" smtClean="0">
-                <a:solidFill>
-                  <a:schemeClr val="tx1"/>
-                </a:solidFill>
-                <a:effectLst/>
-                <a:latin typeface="+mn-lt"/>
-                <a:ea typeface="+mn-ea"/>
-                <a:cs typeface="+mn-cs"/>
-              </a:rPr>
-              <a:t>线性</a:t>
-            </a:r>
-            <a:r>
-              <a:rPr lang="zh-CN" altLang="en-US" sz="1200" kern="1200" dirty="0" smtClean="0">
-                <a:solidFill>
-                  <a:schemeClr val="tx1"/>
-                </a:solidFill>
-                <a:effectLst/>
-                <a:latin typeface="+mn-lt"/>
-                <a:ea typeface="+mn-ea"/>
-                <a:cs typeface="+mn-cs"/>
-              </a:rPr>
-              <a:t>呈现</a:t>
-            </a:r>
-            <a:r>
-              <a:rPr lang="zh-CN" altLang="zh-CN" sz="1200" kern="1200" dirty="0" smtClean="0">
-                <a:solidFill>
-                  <a:schemeClr val="tx1"/>
-                </a:solidFill>
-                <a:effectLst/>
-                <a:latin typeface="+mn-lt"/>
-                <a:ea typeface="+mn-ea"/>
-                <a:cs typeface="+mn-cs"/>
-              </a:rPr>
-              <a:t>，</a:t>
-            </a:r>
-            <a:r>
-              <a:rPr lang="zh-CN" altLang="en-US" sz="1200" kern="1200" dirty="0" smtClean="0">
-                <a:solidFill>
-                  <a:schemeClr val="tx1"/>
-                </a:solidFill>
-                <a:effectLst/>
-                <a:latin typeface="+mn-lt"/>
-                <a:ea typeface="+mn-ea"/>
-                <a:cs typeface="+mn-cs"/>
-              </a:rPr>
-              <a:t>用户只有等到整个过程的末期才能见到开发成果</a:t>
-            </a:r>
-            <a:r>
-              <a:rPr lang="zh-CN" altLang="zh-CN" sz="1200" kern="1200" dirty="0" smtClean="0">
-                <a:solidFill>
-                  <a:schemeClr val="tx1"/>
-                </a:solidFill>
-                <a:effectLst/>
-                <a:latin typeface="+mn-lt"/>
-                <a:ea typeface="+mn-ea"/>
-                <a:cs typeface="+mn-cs"/>
-              </a:rPr>
-              <a:t>。这样软件与用户见面的时间间隔较长，增加了一定的风险。</a:t>
-            </a:r>
-            <a:r>
-              <a:rPr lang="zh-CN" altLang="en-US" sz="1200" kern="1200" dirty="0" smtClean="0">
-                <a:solidFill>
-                  <a:schemeClr val="tx1"/>
-                </a:solidFill>
-                <a:effectLst/>
-                <a:latin typeface="+mn-lt"/>
-                <a:ea typeface="+mn-ea"/>
-                <a:cs typeface="+mn-cs"/>
-              </a:rPr>
-              <a:t>基于此，</a:t>
-            </a:r>
-            <a:r>
-              <a:rPr lang="zh-CN" altLang="en-US" sz="1200" b="1" dirty="0" smtClean="0">
-                <a:ea typeface="华文中宋" pitchFamily="2" charset="-122"/>
-              </a:rPr>
-              <a:t>随着软件规模和复杂性的增加，对于需求不能完全确定的软件开发项目将产生更大的风险</a:t>
-            </a:r>
-            <a:endParaRPr lang="en-US" altLang="zh-CN" sz="1200" b="1" dirty="0" smtClean="0">
-              <a:ea typeface="华文中宋" pitchFamily="2" charset="-122"/>
-            </a:endParaRPr>
-          </a:p>
-          <a:p>
-            <a:pPr marL="0" marR="0" lvl="1" indent="0" algn="l" defTabSz="914400" rtl="0" eaLnBrk="0" fontAlgn="base" latinLnBrk="0" hangingPunct="0">
-              <a:lnSpc>
-                <a:spcPct val="100000"/>
-              </a:lnSpc>
-              <a:spcBef>
-                <a:spcPct val="30000"/>
-              </a:spcBef>
-              <a:spcAft>
-                <a:spcPct val="0"/>
-              </a:spcAft>
-              <a:buClrTx/>
-              <a:buSzTx/>
-              <a:buFontTx/>
-              <a:buNone/>
-              <a:tabLst/>
-              <a:defRPr/>
-            </a:pPr>
-            <a:r>
-              <a:rPr lang="en-US" altLang="zh-CN" sz="1200" b="1" kern="1200" dirty="0" smtClean="0">
-                <a:solidFill>
-                  <a:schemeClr val="tx1"/>
-                </a:solidFill>
-                <a:effectLst/>
-                <a:latin typeface="+mn-lt"/>
-                <a:ea typeface="华文中宋" pitchFamily="2" charset="-122"/>
-                <a:cs typeface="+mn-cs"/>
-              </a:rPr>
-              <a:t>2</a:t>
-            </a:r>
-            <a:r>
-              <a:rPr lang="zh-CN" altLang="en-US" sz="1200" b="1" kern="1200" dirty="0" smtClean="0">
-                <a:solidFill>
-                  <a:schemeClr val="tx1"/>
-                </a:solidFill>
-                <a:effectLst/>
-                <a:latin typeface="+mn-lt"/>
-                <a:ea typeface="华文中宋" pitchFamily="2" charset="-122"/>
-                <a:cs typeface="+mn-cs"/>
-              </a:rPr>
-              <a:t>各个阶段的划分完全固定，</a:t>
-            </a:r>
-            <a:r>
-              <a:rPr lang="zh-CN" altLang="en-US" sz="1200" kern="1200" dirty="0" smtClean="0">
-                <a:solidFill>
-                  <a:schemeClr val="tx1"/>
-                </a:solidFill>
-                <a:effectLst/>
-                <a:latin typeface="+mn-lt"/>
-                <a:ea typeface="+mn-ea"/>
-                <a:cs typeface="+mn-cs"/>
-              </a:rPr>
-              <a:t>无法反映“反复”与“迭代”，灵活性大大降低</a:t>
-            </a:r>
-            <a:endParaRPr lang="en-US" altLang="zh-CN" sz="1200" kern="1200" dirty="0" smtClean="0">
-              <a:solidFill>
-                <a:schemeClr val="tx1"/>
-              </a:solidFill>
-              <a:effectLst/>
-              <a:latin typeface="+mn-lt"/>
-              <a:ea typeface="+mn-ea"/>
-              <a:cs typeface="+mn-cs"/>
-            </a:endParaRPr>
-          </a:p>
-          <a:p>
-            <a:pPr marL="0" marR="0" lvl="1" indent="0" algn="l" defTabSz="914400" rtl="0" eaLnBrk="0" fontAlgn="base" latinLnBrk="0" hangingPunct="0">
-              <a:lnSpc>
-                <a:spcPct val="100000"/>
-              </a:lnSpc>
-              <a:spcBef>
-                <a:spcPct val="30000"/>
-              </a:spcBef>
-              <a:spcAft>
-                <a:spcPct val="0"/>
-              </a:spcAft>
-              <a:buClrTx/>
-              <a:buSzTx/>
-              <a:buFontTx/>
-              <a:buNone/>
-              <a:tabLst/>
-              <a:defRPr/>
-            </a:pPr>
-            <a:r>
-              <a:rPr lang="en-US" altLang="zh-CN" sz="1200" kern="1200" dirty="0" smtClean="0">
-                <a:solidFill>
-                  <a:schemeClr val="tx1"/>
-                </a:solidFill>
-                <a:effectLst/>
-                <a:latin typeface="+mn-lt"/>
-                <a:ea typeface="+mn-ea"/>
-                <a:cs typeface="+mn-cs"/>
-              </a:rPr>
-              <a:t>3</a:t>
-            </a:r>
-            <a:r>
-              <a:rPr lang="zh-CN" altLang="zh-CN" sz="1200" kern="1200" dirty="0" smtClean="0">
-                <a:solidFill>
-                  <a:schemeClr val="tx1"/>
-                </a:solidFill>
-                <a:effectLst/>
-                <a:latin typeface="+mn-lt"/>
-                <a:ea typeface="+mn-ea"/>
-                <a:cs typeface="+mn-cs"/>
-              </a:rPr>
-              <a:t>瀑布模型的本质</a:t>
-            </a:r>
-            <a:r>
-              <a:rPr lang="zh-CN" altLang="en-US" sz="1200" kern="1200" dirty="0" smtClean="0">
-                <a:solidFill>
-                  <a:schemeClr val="tx1"/>
-                </a:solidFill>
-                <a:effectLst/>
-                <a:latin typeface="+mn-lt"/>
-                <a:ea typeface="+mn-ea"/>
-                <a:cs typeface="+mn-cs"/>
-              </a:rPr>
-              <a:t>强调</a:t>
-            </a:r>
-            <a:r>
-              <a:rPr lang="zh-CN" altLang="zh-CN" sz="1200" kern="1200" dirty="0" smtClean="0">
-                <a:solidFill>
-                  <a:schemeClr val="tx1"/>
-                </a:solidFill>
-                <a:effectLst/>
-                <a:latin typeface="+mn-lt"/>
-                <a:ea typeface="+mn-ea"/>
-                <a:cs typeface="+mn-cs"/>
-              </a:rPr>
-              <a:t>一次通过，即每个活动只执行一次，最后得到软件产品</a:t>
-            </a:r>
-            <a:r>
-              <a:rPr lang="en-US" altLang="zh-CN" sz="1200" kern="1200" dirty="0" smtClean="0">
-                <a:solidFill>
-                  <a:schemeClr val="tx1"/>
-                </a:solidFill>
-                <a:effectLst/>
-                <a:latin typeface="+mn-lt"/>
-                <a:ea typeface="+mn-ea"/>
-                <a:cs typeface="+mn-cs"/>
-              </a:rPr>
-              <a:t>  </a:t>
-            </a:r>
-            <a:r>
-              <a:rPr lang="zh-CN" altLang="en-US" sz="1200" kern="1200" dirty="0" smtClean="0">
-                <a:solidFill>
-                  <a:schemeClr val="tx1"/>
-                </a:solidFill>
-                <a:effectLst/>
-                <a:latin typeface="+mn-lt"/>
-                <a:ea typeface="+mn-ea"/>
-                <a:cs typeface="+mn-cs"/>
-              </a:rPr>
-              <a:t>那可想而知需求分析也仅开展一次   </a:t>
-            </a:r>
-            <a:r>
-              <a:rPr lang="zh-CN" altLang="zh-CN" sz="1200" kern="1200" dirty="0" smtClean="0">
-                <a:solidFill>
-                  <a:schemeClr val="tx1"/>
-                </a:solidFill>
-                <a:effectLst/>
-                <a:latin typeface="+mn-lt"/>
-                <a:ea typeface="+mn-ea"/>
-                <a:cs typeface="+mn-cs"/>
-              </a:rPr>
-              <a:t>在软件需求分析阶段，完全确定用户的所有需求是比较困难的，甚至可以说是不太可能的</a:t>
-            </a:r>
-            <a:r>
-              <a:rPr lang="zh-CN" altLang="en-US" sz="1200" kern="1200" dirty="0" smtClean="0">
-                <a:solidFill>
-                  <a:schemeClr val="tx1"/>
-                </a:solidFill>
-                <a:effectLst/>
-                <a:latin typeface="+mn-lt"/>
-                <a:ea typeface="+mn-ea"/>
-                <a:cs typeface="+mn-cs"/>
-              </a:rPr>
-              <a:t>对于目前实际项目中需求经常频繁变更的情况  该模型无法适应（需求的变化）  因此适应性大大降低</a:t>
-            </a:r>
-            <a:endParaRPr lang="en-US" altLang="zh-CN" sz="1200" kern="1200" dirty="0" smtClean="0">
-              <a:solidFill>
-                <a:schemeClr val="tx1"/>
-              </a:solidFill>
-              <a:effectLst/>
-              <a:latin typeface="+mn-lt"/>
-              <a:ea typeface="+mn-ea"/>
-              <a:cs typeface="+mn-cs"/>
-            </a:endParaRPr>
-          </a:p>
-          <a:p>
-            <a:pPr marL="0" marR="0" lvl="1" indent="0" algn="l" defTabSz="914400" rtl="0" eaLnBrk="0" fontAlgn="base" latinLnBrk="0" hangingPunct="0">
-              <a:lnSpc>
-                <a:spcPct val="100000"/>
-              </a:lnSpc>
-              <a:spcBef>
-                <a:spcPct val="30000"/>
-              </a:spcBef>
-              <a:spcAft>
-                <a:spcPct val="0"/>
-              </a:spcAft>
-              <a:buClrTx/>
-              <a:buSzTx/>
-              <a:buFontTx/>
-              <a:buNone/>
-              <a:tabLst/>
-              <a:defRPr/>
-            </a:pPr>
-            <a:r>
-              <a:rPr lang="en-US" altLang="zh-CN" sz="1200" kern="1200" dirty="0" smtClean="0">
-                <a:solidFill>
-                  <a:schemeClr val="tx1"/>
-                </a:solidFill>
-                <a:effectLst/>
-                <a:latin typeface="+mn-lt"/>
-                <a:ea typeface="+mn-ea"/>
-                <a:cs typeface="+mn-cs"/>
-              </a:rPr>
-              <a:t>4</a:t>
-            </a:r>
-            <a:r>
-              <a:rPr lang="zh-CN" altLang="en-US" sz="1200" kern="1200" dirty="0" smtClean="0">
-                <a:solidFill>
-                  <a:schemeClr val="tx1"/>
-                </a:solidFill>
-                <a:effectLst/>
-                <a:latin typeface="+mn-lt"/>
-                <a:ea typeface="+mn-ea"/>
-                <a:cs typeface="+mn-cs"/>
-              </a:rPr>
-              <a:t>测试被定义为编码之后的一个阶段</a:t>
-            </a:r>
-            <a:r>
-              <a:rPr lang="zh-CN" altLang="en-US" sz="1200" kern="1200" baseline="0" dirty="0" smtClean="0">
-                <a:solidFill>
-                  <a:schemeClr val="tx1"/>
-                </a:solidFill>
-                <a:effectLst/>
-                <a:latin typeface="+mn-lt"/>
-                <a:ea typeface="+mn-ea"/>
-                <a:cs typeface="+mn-cs"/>
-              </a:rPr>
-              <a:t>  测试的滞后会导致软件开发早期的错误可能要等到开发后期的测试阶段才能发现，</a:t>
-            </a:r>
-            <a:r>
-              <a:rPr lang="zh-CN" altLang="en-US" sz="1200" b="1" dirty="0" smtClean="0">
-                <a:ea typeface="华文中宋" pitchFamily="2" charset="-122"/>
-              </a:rPr>
-              <a:t>开始阶段的小错误被逐级放大，</a:t>
-            </a:r>
-            <a:r>
-              <a:rPr lang="zh-CN" altLang="en-US" sz="1200" kern="1200" baseline="0" dirty="0" smtClean="0">
-                <a:solidFill>
-                  <a:schemeClr val="tx1"/>
-                </a:solidFill>
-                <a:effectLst/>
-                <a:latin typeface="+mn-lt"/>
-                <a:ea typeface="+mn-ea"/>
-                <a:cs typeface="+mn-cs"/>
-              </a:rPr>
-              <a:t>进而带来严重的后果，甚至</a:t>
-            </a:r>
-            <a:r>
-              <a:rPr lang="zh-CN" altLang="zh-CN" sz="1200" kern="1200" dirty="0" smtClean="0">
-                <a:solidFill>
-                  <a:schemeClr val="tx1"/>
-                </a:solidFill>
-                <a:effectLst/>
-                <a:latin typeface="+mn-lt"/>
-                <a:ea typeface="+mn-ea"/>
-                <a:cs typeface="+mn-cs"/>
-              </a:rPr>
-              <a:t>造成整个软件项目开发失败</a:t>
-            </a:r>
-            <a:r>
-              <a:rPr lang="en-US" altLang="zh-CN" sz="1200" kern="1200" dirty="0" smtClean="0">
-                <a:solidFill>
-                  <a:schemeClr val="tx1"/>
-                </a:solidFill>
-                <a:effectLst/>
-                <a:latin typeface="+mn-lt"/>
-                <a:ea typeface="+mn-ea"/>
-                <a:cs typeface="+mn-cs"/>
-              </a:rPr>
-              <a:t> </a:t>
-            </a:r>
-            <a:r>
-              <a:rPr lang="zh-CN" altLang="en-US" sz="1200" kern="1200" dirty="0" smtClean="0">
-                <a:solidFill>
-                  <a:schemeClr val="tx1"/>
-                </a:solidFill>
-                <a:effectLst/>
-                <a:latin typeface="+mn-lt"/>
-                <a:ea typeface="+mn-ea"/>
-                <a:cs typeface="+mn-cs"/>
-              </a:rPr>
-              <a:t>所以此时修复相关缺陷往往代价大大增加</a:t>
-            </a:r>
-            <a:endParaRPr lang="zh-CN" altLang="en-US" dirty="0" smtClean="0"/>
-          </a:p>
-          <a:p>
-            <a:pPr marL="0" marR="0" lvl="1" indent="0" algn="l" defTabSz="914400" rtl="0" eaLnBrk="0" fontAlgn="base" latinLnBrk="0" hangingPunct="0">
-              <a:lnSpc>
-                <a:spcPct val="100000"/>
-              </a:lnSpc>
-              <a:spcBef>
-                <a:spcPct val="30000"/>
-              </a:spcBef>
-              <a:spcAft>
-                <a:spcPct val="0"/>
-              </a:spcAft>
-              <a:buClrTx/>
-              <a:buSzTx/>
-              <a:buFontTx/>
-              <a:buNone/>
-              <a:tabLst/>
-              <a:defRPr/>
-            </a:pPr>
-            <a:endParaRPr lang="en-US" altLang="zh-CN" sz="1200" kern="1200" dirty="0" smtClean="0">
-              <a:solidFill>
-                <a:schemeClr val="tx1"/>
-              </a:solidFill>
-              <a:effectLst/>
-              <a:latin typeface="+mn-lt"/>
-              <a:ea typeface="+mn-ea"/>
-              <a:cs typeface="+mn-cs"/>
-            </a:endParaRPr>
-          </a:p>
-          <a:p>
-            <a:endParaRPr lang="en-US" altLang="zh-CN" dirty="0" smtClean="0"/>
+            <a:endParaRPr lang="en-US" altLang="zh-CN" dirty="0"/>
           </a:p>
         </p:txBody>
       </p:sp>
@@ -2388,7 +1417,7 @@
               <a:pPr>
                 <a:defRPr/>
               </a:pPr>
-              <a:t>20</a:t>
+              <a:t>16</a:t>
             </a:fld>
             <a:endParaRPr lang="zh-CN" altLang="en-US"/>
           </a:p>
@@ -2490,11 +1519,7 @@
           </a:bodyPr>
           <a:lstStyle/>
           <a:p>
-            <a:r>
-              <a:rPr lang="zh-CN" altLang="en-US" dirty="0" smtClean="0"/>
-              <a:t>适用于功能性能明确完整，无重大变化的软件系统的开发  如操作系统  数据库管理系统等</a:t>
-            </a:r>
-            <a:endParaRPr lang="en-US" altLang="zh-CN" dirty="0" smtClean="0"/>
+            <a:endParaRPr lang="en-US" altLang="zh-CN" dirty="0"/>
           </a:p>
         </p:txBody>
       </p:sp>
@@ -2521,7 +1546,7 @@
               <a:pPr>
                 <a:defRPr/>
               </a:pPr>
-              <a:t>21</a:t>
+              <a:t>17</a:t>
             </a:fld>
             <a:endParaRPr lang="zh-CN" altLang="en-US"/>
           </a:p>
@@ -2575,7 +1600,7 @@
               <a:pPr>
                 <a:defRPr/>
               </a:pPr>
-              <a:t>22</a:t>
+              <a:t>18</a:t>
             </a:fld>
             <a:endParaRPr lang="en-US" altLang="zh-CN" smtClean="0"/>
           </a:p>
@@ -2614,33 +1639,7 @@
           <a:lstStyle/>
           <a:p>
             <a:pPr eaLnBrk="1" hangingPunct="1"/>
-            <a:r>
-              <a:rPr lang="zh-CN" altLang="en-US" dirty="0" smtClean="0">
-                <a:latin typeface="Arial" pitchFamily="34" charset="0"/>
-              </a:rPr>
-              <a:t>这是几种比较常见的开发模型，当然还有很多其他开发模型如喷泉模型等</a:t>
-            </a:r>
-            <a:endParaRPr lang="en-US" altLang="zh-CN" dirty="0" smtClean="0">
-              <a:latin typeface="Arial" pitchFamily="34" charset="0"/>
-            </a:endParaRPr>
-          </a:p>
-          <a:p>
-            <a:pPr eaLnBrk="1" hangingPunct="1"/>
-            <a:r>
-              <a:rPr lang="zh-CN" altLang="en-US" dirty="0" smtClean="0"/>
-              <a:t>螺旋开发模式是瀑布开发模式和快速原型开发模式的相结合的一种开发模式；</a:t>
-            </a:r>
-            <a:endParaRPr lang="en-US" altLang="zh-CN" dirty="0" smtClean="0"/>
-          </a:p>
-          <a:p>
-            <a:pPr eaLnBrk="1" hangingPunct="1"/>
-            <a:r>
-              <a:rPr lang="zh-CN" altLang="en-US" smtClean="0"/>
-              <a:t>螺旋开发模式的主要思想是在开始时不必详细定义所有细节，而是从小的规模开始，定义重要功能，尽量实现，然后探测风险，制定风险控制计划，接受客户反馈，进入下一个阶段并重复上述过程，然后进行下一个螺旋的反复，确定下一步是否还要继续，知道最终软件产品的获得。</a:t>
-            </a:r>
-            <a:endParaRPr lang="zh-CN" altLang="en-US" dirty="0" smtClean="0">
-              <a:latin typeface="Arial" pitchFamily="34" charset="0"/>
-            </a:endParaRPr>
+            <a:endParaRPr lang="zh-CN" altLang="en-US" dirty="0"/>
           </a:p>
         </p:txBody>
       </p:sp>
@@ -2692,7 +1691,7 @@
               <a:pPr>
                 <a:defRPr/>
               </a:pPr>
-              <a:t>23</a:t>
+              <a:t>19</a:t>
             </a:fld>
             <a:endParaRPr lang="en-US" altLang="zh-CN" smtClean="0"/>
           </a:p>
@@ -2731,109 +1730,7 @@
           <a:lstStyle/>
           <a:p>
             <a:pPr eaLnBrk="1" hangingPunct="1"/>
-            <a:r>
-              <a:rPr lang="zh-CN" altLang="en-US" dirty="0" smtClean="0">
-                <a:latin typeface="Arial" pitchFamily="34" charset="0"/>
-              </a:rPr>
-              <a:t>开始不必详细定义所有细节。从小开始，定义重要功能，努力实现，接受客户反馈，然后进入下一阶段。（一个螺旋包括</a:t>
-            </a:r>
-            <a:r>
-              <a:rPr lang="en-US" altLang="zh-CN" dirty="0" smtClean="0">
-                <a:latin typeface="Arial" pitchFamily="34" charset="0"/>
-              </a:rPr>
-              <a:t>6</a:t>
-            </a:r>
-            <a:r>
-              <a:rPr lang="zh-CN" altLang="en-US" dirty="0" smtClean="0">
-                <a:latin typeface="Arial" pitchFamily="34" charset="0"/>
-              </a:rPr>
-              <a:t>个步骤：</a:t>
-            </a:r>
-            <a:r>
-              <a:rPr lang="en-US" altLang="zh-CN" dirty="0" smtClean="0">
-                <a:latin typeface="Arial" pitchFamily="34" charset="0"/>
-              </a:rPr>
-              <a:t>1.</a:t>
-            </a:r>
-            <a:r>
-              <a:rPr lang="zh-CN" altLang="en-US" dirty="0" smtClean="0">
-                <a:latin typeface="Arial" pitchFamily="34" charset="0"/>
-              </a:rPr>
-              <a:t>确定目标，可选方案有限制条件；</a:t>
-            </a:r>
-            <a:r>
-              <a:rPr lang="en-US" altLang="zh-CN" dirty="0" smtClean="0">
-                <a:latin typeface="Arial" pitchFamily="34" charset="0"/>
-              </a:rPr>
-              <a:t>2.</a:t>
-            </a:r>
-            <a:r>
-              <a:rPr lang="zh-CN" altLang="en-US" dirty="0" smtClean="0">
-                <a:latin typeface="Arial" pitchFamily="34" charset="0"/>
-              </a:rPr>
-              <a:t>指出并解决风险；</a:t>
-            </a:r>
-            <a:r>
-              <a:rPr lang="en-US" altLang="zh-CN" dirty="0" smtClean="0">
-                <a:latin typeface="Arial" pitchFamily="34" charset="0"/>
-              </a:rPr>
-              <a:t>3.</a:t>
-            </a:r>
-            <a:r>
-              <a:rPr lang="zh-CN" altLang="en-US" dirty="0" smtClean="0">
-                <a:latin typeface="Arial" pitchFamily="34" charset="0"/>
-              </a:rPr>
-              <a:t>评估方案；</a:t>
-            </a:r>
-            <a:r>
-              <a:rPr lang="en-US" altLang="zh-CN" dirty="0" smtClean="0">
-                <a:latin typeface="Arial" pitchFamily="34" charset="0"/>
-              </a:rPr>
-              <a:t>4.</a:t>
-            </a:r>
-            <a:r>
-              <a:rPr lang="zh-CN" altLang="en-US" dirty="0" smtClean="0">
-                <a:latin typeface="Arial" pitchFamily="34" charset="0"/>
-              </a:rPr>
-              <a:t>本阶段开发和测试；</a:t>
-            </a:r>
-            <a:r>
-              <a:rPr lang="en-US" altLang="zh-CN" dirty="0" smtClean="0">
-                <a:latin typeface="Arial" pitchFamily="34" charset="0"/>
-              </a:rPr>
-              <a:t>5.</a:t>
-            </a:r>
-            <a:r>
-              <a:rPr lang="zh-CN" altLang="en-US" dirty="0" smtClean="0">
-                <a:latin typeface="Arial" pitchFamily="34" charset="0"/>
-              </a:rPr>
-              <a:t>计划下一阶段；</a:t>
-            </a:r>
-            <a:r>
-              <a:rPr lang="en-US" altLang="zh-CN" dirty="0" smtClean="0">
-                <a:latin typeface="Arial" pitchFamily="34" charset="0"/>
-              </a:rPr>
-              <a:t>6.</a:t>
-            </a:r>
-            <a:r>
-              <a:rPr lang="zh-CN" altLang="en-US" dirty="0" smtClean="0">
-                <a:latin typeface="Arial" pitchFamily="34" charset="0"/>
-              </a:rPr>
-              <a:t>确定进入下一阶段的方法。</a:t>
-            </a:r>
-            <a:r>
-              <a:rPr lang="zh-CN" altLang="en-US" dirty="0" smtClean="0">
-                <a:latin typeface="Arial" pitchFamily="34" charset="0"/>
-                <a:hlinkClick r:id="rId3"/>
-              </a:rPr>
-              <a:t>测试</a:t>
-            </a:r>
-            <a:r>
-              <a:rPr lang="zh-CN" altLang="en-US" dirty="0" smtClean="0">
-                <a:latin typeface="Arial" pitchFamily="34" charset="0"/>
-              </a:rPr>
-              <a:t>一直在进行，直到最后宣布成功！） </a:t>
-            </a:r>
+            <a:endParaRPr lang="zh-CN" altLang="en-US" dirty="0"/>
           </a:p>
         </p:txBody>
       </p:sp>
@@ -3269,15 +2166,7 @@
           <a:lstStyle/>
           <a:p>
             <a:pPr eaLnBrk="1" hangingPunct="1"/>
-            <a:r>
-              <a:rPr lang="zh-CN" altLang="en-US" dirty="0" smtClean="0">
-                <a:latin typeface="Arial" pitchFamily="34" charset="0"/>
-              </a:rPr>
-              <a:t>源于 宇宙爆炸 理论</a:t>
-            </a:r>
-            <a:endParaRPr lang="en-US" altLang="zh-CN" dirty="0" smtClean="0">
-              <a:latin typeface="Arial" pitchFamily="34" charset="0"/>
-            </a:endParaRPr>
+            <a:endParaRPr lang="en-US" altLang="zh-CN" dirty="0"/>
           </a:p>
         </p:txBody>
       </p:sp>
@@ -3368,25 +2257,7 @@
           <a:lstStyle/>
           <a:p>
             <a:pPr eaLnBrk="1" hangingPunct="1"/>
-            <a:r>
-              <a:rPr lang="zh-CN" altLang="en-US" dirty="0" smtClean="0"/>
-              <a:t>边写边改的开发模式是对大棒开发模式的一种改进</a:t>
-            </a:r>
-            <a:endParaRPr lang="en-US" altLang="zh-CN" dirty="0" smtClean="0">
-              <a:ea typeface="宋体" pitchFamily="2" charset="-122"/>
-            </a:endParaRPr>
-          </a:p>
-          <a:p>
-            <a:pPr eaLnBrk="1" hangingPunct="1"/>
-            <a:r>
-              <a:rPr lang="zh-CN" altLang="en-US" dirty="0" smtClean="0">
-                <a:ea typeface="宋体" pitchFamily="2" charset="-122"/>
-              </a:rPr>
-              <a:t>采用边写边改法的软件开发通常只是有了比较粗略的想法就开始进行简单的设计、然后进行较长的反复编写、测试与修复这样一个循环的过程。在认为无法更精细的描述软件产品要求时，就发布产品。</a:t>
-            </a:r>
-            <a:endParaRPr lang="zh-CN" altLang="en-US" dirty="0" smtClean="0">
-              <a:latin typeface="Arial" pitchFamily="34" charset="0"/>
-            </a:endParaRPr>
+            <a:endParaRPr lang="zh-CN" altLang="en-US" dirty="0"/>
           </a:p>
         </p:txBody>
       </p:sp>
@@ -3534,34 +2405,6 @@
         <p:txBody>
           <a:bodyPr/>
           <a:lstStyle/>
-          <a:p>
-            <a:pPr marL="0" marR="0" indent="0" algn="l" defTabSz="914400" rtl="0" eaLnBrk="0" fontAlgn="base" latinLnBrk="0" hangingPunct="0">
-              <a:lnSpc>
-                <a:spcPct val="100000"/>
-              </a:lnSpc>
-              <a:spcBef>
-                <a:spcPct val="30000"/>
-              </a:spcBef>
-              <a:spcAft>
-                <a:spcPct val="0"/>
-              </a:spcAft>
-              <a:buClrTx/>
-              <a:buSzTx/>
-              <a:buFontTx/>
-              <a:buNone/>
-              <a:tabLst/>
-              <a:defRPr/>
-            </a:pPr>
-            <a:r>
-              <a:rPr lang="zh-CN" altLang="en-US" dirty="0" smtClean="0"/>
-              <a:t>瀑布模型的介绍参照如下几个方面来开展  首先介绍由来  看看它的样子  然后通过定义及特点告诉大家什么是瀑布模型</a:t>
-            </a:r>
-            <a:r>
-              <a:rPr lang="zh-CN" altLang="en-US" baseline="0" dirty="0" smtClean="0"/>
-              <a:t>  然后优缺点进一步带领大家理解瀑布模型的内涵  最后介绍一下该模型的具体应用情况</a:t>
-            </a:r>
-            <a:endParaRPr lang="en-US" altLang="zh-CN" baseline="0" dirty="0" smtClean="0"/>
-          </a:p>
           <a:p>
             <a:endParaRPr lang="zh-CN" altLang="en-US" dirty="0"/>
           </a:p>
@@ -3697,124 +2540,8 @@
           </a:bodyPr>
           <a:lstStyle/>
           <a:p>
-            <a:pPr latinLnBrk="1"/>
-            <a:r>
-              <a:rPr lang="zh-CN" altLang="en-US" dirty="0" smtClean="0"/>
-              <a:t>首先看一下由来</a:t>
-            </a:r>
-            <a:endParaRPr lang="en-US" altLang="zh-CN" dirty="0" smtClean="0"/>
-          </a:p>
-          <a:p>
-            <a:pPr marL="0" marR="0" indent="0" algn="l" defTabSz="914400" rtl="0" eaLnBrk="0" fontAlgn="base" latinLnBrk="1" hangingPunct="0">
-              <a:lnSpc>
-                <a:spcPct val="100000"/>
-              </a:lnSpc>
-              <a:spcBef>
-                <a:spcPct val="30000"/>
-              </a:spcBef>
-              <a:spcAft>
-                <a:spcPct val="0"/>
-              </a:spcAft>
-              <a:buClrTx/>
-              <a:buSzTx/>
-              <a:buFontTx/>
-              <a:buNone/>
-              <a:tabLst/>
-              <a:defRPr/>
-            </a:pPr>
-            <a:r>
-              <a:rPr lang="en-US" altLang="zh-CN" dirty="0" smtClean="0"/>
-              <a:t>1970</a:t>
-            </a:r>
-            <a:r>
-              <a:rPr lang="zh-CN" altLang="zh-CN" dirty="0" smtClean="0"/>
-              <a:t>年温斯顿</a:t>
-            </a:r>
-            <a:r>
-              <a:rPr lang="en-US" altLang="zh-CN" dirty="0" smtClean="0"/>
-              <a:t>•</a:t>
-            </a:r>
-            <a:r>
-              <a:rPr lang="zh-CN" altLang="zh-CN" dirty="0" smtClean="0"/>
-              <a:t>罗伊斯（</a:t>
-            </a:r>
-            <a:r>
-              <a:rPr lang="en-US" altLang="zh-CN" dirty="0" smtClean="0"/>
-              <a:t>Winston Royce</a:t>
-            </a:r>
-            <a:r>
-              <a:rPr lang="zh-CN" altLang="zh-CN" dirty="0" smtClean="0"/>
-              <a:t>）提出了著名的</a:t>
-            </a:r>
-            <a:r>
-              <a:rPr lang="en-US" altLang="zh-CN" dirty="0" smtClean="0"/>
-              <a:t>“</a:t>
-            </a:r>
-            <a:r>
-              <a:rPr lang="zh-CN" altLang="zh-CN" dirty="0" smtClean="0"/>
-              <a:t>瀑布模型</a:t>
-            </a:r>
-            <a:r>
-              <a:rPr lang="en-US" altLang="zh-CN" dirty="0" smtClean="0"/>
-              <a:t>”</a:t>
-            </a:r>
-            <a:r>
-              <a:rPr lang="zh-CN" altLang="zh-CN" dirty="0" smtClean="0"/>
-              <a:t>，直到</a:t>
-            </a:r>
-            <a:r>
-              <a:rPr lang="en-US" altLang="zh-CN" dirty="0" smtClean="0"/>
-              <a:t>80</a:t>
-            </a:r>
-            <a:r>
-              <a:rPr lang="zh-CN" altLang="zh-CN" dirty="0" smtClean="0"/>
-              <a:t>年代早期，它一直是唯一被广泛采用的</a:t>
-            </a:r>
-            <a:r>
-              <a:rPr lang="zh-CN" altLang="en-US" dirty="0" smtClean="0"/>
-              <a:t>软件开发模型</a:t>
-            </a:r>
-            <a:r>
-              <a:rPr lang="zh-CN" altLang="zh-CN" dirty="0" smtClean="0"/>
-              <a:t>。 </a:t>
-            </a:r>
-            <a:r>
-              <a:rPr lang="zh-CN" altLang="en-US" dirty="0" smtClean="0"/>
-              <a:t>图中所示的就是瀑布模型</a:t>
-            </a:r>
-            <a:endParaRPr lang="en-US" altLang="zh-CN" dirty="0" smtClean="0"/>
-          </a:p>
-          <a:p>
-            <a:pPr marL="0" marR="0" indent="-658812" algn="l" defTabSz="914400" rtl="0" eaLnBrk="0" fontAlgn="base" latinLnBrk="0" hangingPunct="0">
-              <a:lnSpc>
-                <a:spcPct val="100000"/>
-              </a:lnSpc>
-              <a:spcBef>
-                <a:spcPct val="30000"/>
-              </a:spcBef>
-              <a:spcAft>
-                <a:spcPct val="0"/>
-              </a:spcAft>
-              <a:buClrTx/>
-              <a:buSzTx/>
-              <a:buFontTx/>
-              <a:buNone/>
-              <a:tabLst/>
-              <a:defRPr/>
-            </a:pPr>
-            <a:r>
-              <a:rPr lang="zh-CN" altLang="en-US" dirty="0" smtClean="0"/>
-              <a:t>是不是所有的瀑布模型都如当前图显示的样子呢</a:t>
-            </a:r>
-            <a:r>
-              <a:rPr lang="zh-CN" altLang="en-US" baseline="0" dirty="0" smtClean="0"/>
-              <a:t>  不是的  大家可以从网络或其他书籍中看到瀑布模型的多种不同呈现形式，可能其中细节上有所差异  但是归根结底内涵统一</a:t>
-            </a:r>
-            <a:endParaRPr lang="zh-CN" altLang="en-US" dirty="0" smtClean="0"/>
-          </a:p>
-          <a:p>
             <a:pPr marL="0" indent="-658812"/>
-            <a:endParaRPr kumimoji="1" lang="zh-CN" altLang="en-US" b="1" dirty="0" smtClean="0"/>
+            <a:endParaRPr lang="zh-CN" altLang="en-US" dirty="0"/>
           </a:p>
         </p:txBody>
       </p:sp>
@@ -13165,7 +11892,7 @@
         </p:blipFill>
         <p:spPr bwMode="auto">
           <a:xfrm>
-            <a:off x="457154" y="999793"/>
+            <a:off x="570909" y="908720"/>
             <a:ext cx="3322758" cy="2741275"/>
           </a:xfrm>
           <a:prstGeom prst="rect">
@@ -13225,7 +11952,7 @@
         </p:blipFill>
         <p:spPr bwMode="auto">
           <a:xfrm>
-            <a:off x="4209231" y="999793"/>
+            <a:off x="4209231" y="1077434"/>
             <a:ext cx="4355977" cy="2555173"/>
           </a:xfrm>
           <a:prstGeom prst="rect">
@@ -13437,13 +12164,44 @@
           <a:bodyPr/>
           <a:lstStyle/>
           <a:p>
-            <a:endParaRPr lang="zh-CN" altLang="en-US"/>
+            <a:pPr>
+              <a:defRPr/>
+            </a:pPr>
+            <a:r>
+              <a:rPr lang="zh-CN" altLang="en-US" b="1" kern="1200" dirty="0">
+                <a:latin typeface="黑体" pitchFamily="49" charset="-122"/>
+                <a:ea typeface="黑体" pitchFamily="49" charset="-122"/>
+                <a:cs typeface="+mn-cs"/>
+              </a:rPr>
+              <a:t>瀑布模型分析（续）</a:t>
+            </a:r>
+            <a:r>
+              <a:rPr lang="en-US" altLang="zh-CN" b="1" kern="1200" dirty="0">
+                <a:latin typeface="黑体" pitchFamily="49" charset="-122"/>
+                <a:ea typeface="黑体" pitchFamily="49" charset="-122"/>
+                <a:cs typeface="+mn-cs"/>
+              </a:rPr>
+              <a:t>——</a:t>
+            </a:r>
+            <a:r>
+              <a:rPr lang="zh-CN" altLang="en-US" b="1" kern="1200" dirty="0">
+                <a:latin typeface="黑体" pitchFamily="49" charset="-122"/>
+                <a:ea typeface="黑体" pitchFamily="49" charset="-122"/>
+                <a:cs typeface="+mn-cs"/>
+              </a:rPr>
+              <a:t>定义及特点</a:t>
+            </a:r>
+            <a:endParaRPr b="1" kern="1200" dirty="0">
+              <a:latin typeface="黑体" pitchFamily="49" charset="-122"/>
+              <a:ea typeface="黑体" pitchFamily="49" charset="-122"/>
+              <a:cs typeface="+mn-cs"/>
+            </a:endParaRPr>
           </a:p>
         </p:txBody>
       </p:sp>
       <p:sp>
         <p:nvSpPr>
-          <p:cNvPr id="3" name="内容占位符 2"/>
+          <p:cNvPr id="22531" name="内容占位符 2"/>
           <p:cNvSpPr>
             <a:spLocks noGrp="1"/>
           </p:cNvSpPr>
@@ -13456,103 +12214,68 @@
           <a:bodyPr/>
           <a:lstStyle/>
           <a:p>
-            <a:endParaRPr lang="zh-CN" altLang="en-US"/>
+            <a:r>
+              <a:rPr kumimoji="1" lang="zh-CN" altLang="en-US" b="1" dirty="0" smtClean="0"/>
+              <a:t>瀑布模型</a:t>
+            </a:r>
+            <a:endParaRPr kumimoji="1" lang="en-US" altLang="zh-CN" b="1" dirty="0" smtClean="0"/>
+          </a:p>
+          <a:p>
+            <a:pPr marL="1090612" lvl="1" indent="-457200"/>
+            <a:r>
+              <a:rPr lang="zh-CN" altLang="en-US" b="1" dirty="0"/>
+              <a:t>如同瀑布流水，逐级下落。</a:t>
+            </a:r>
+            <a:r>
+              <a:rPr lang="en-US" altLang="zh-CN" b="1" dirty="0"/>
+              <a:t>——</a:t>
+            </a:r>
+            <a:r>
+              <a:rPr lang="zh-CN" altLang="en-US" b="1" dirty="0"/>
+              <a:t>样式</a:t>
+            </a:r>
+            <a:endParaRPr lang="en-US" altLang="zh-CN" b="1" dirty="0"/>
+          </a:p>
+          <a:p>
+            <a:pPr marL="1090612" lvl="1" indent="-457200"/>
+            <a:r>
+              <a:rPr lang="zh-CN" altLang="en-US" b="1" dirty="0"/>
+              <a:t>将软件生存周期各活动规定为依线性顺序联接的若干阶段的模型。</a:t>
+            </a:r>
+            <a:endParaRPr lang="en-US" altLang="zh-CN" b="1" dirty="0"/>
+          </a:p>
+          <a:p>
+            <a:pPr marL="1090612" lvl="1" indent="-457200"/>
+            <a:r>
+              <a:rPr lang="zh-CN" altLang="en-US" b="1" dirty="0"/>
+              <a:t>包括</a:t>
+            </a:r>
+            <a:r>
+              <a:rPr lang="zh-CN" altLang="en-US" b="1" dirty="0">
+                <a:solidFill>
+                  <a:srgbClr val="FF0000"/>
+                </a:solidFill>
+              </a:rPr>
+              <a:t>需求分析、概要设计、详细设计、编码、测试和维护</a:t>
+            </a:r>
+            <a:r>
+              <a:rPr lang="zh-CN" altLang="en-US" b="1" dirty="0"/>
+              <a:t>等阶段。</a:t>
+            </a:r>
+            <a:endParaRPr lang="en-US" altLang="zh-CN" b="1" dirty="0"/>
+          </a:p>
+          <a:p>
+            <a:pPr marL="0" indent="0">
+              <a:buNone/>
+            </a:pPr>
+            <a:endParaRPr lang="en-US" altLang="zh-CN" dirty="0" smtClean="0"/>
           </a:p>
         </p:txBody>
       </p:sp>
-      <p:sp>
-        <p:nvSpPr>
-          <p:cNvPr id="4" name="灯片编号占位符 3"/>
-          <p:cNvSpPr>
-            <a:spLocks noGrp="1"/>
-          </p:cNvSpPr>
-          <p:nvPr>
-            <p:ph type="sldNum" sz="quarter" idx="12"/>
-          </p:nvPr>
-        </p:nvSpPr>
-        <p:spPr/>
-        <p:txBody>
-          <a:bodyPr/>
-          <a:lstStyle/>
-          <a:p>
-            <a:pPr>
-              <a:defRPr/>
-            </a:pPr>
-            <a:fld id="{CB6A985E-BE02-4E5A-8B89-C24F6CB4E833}" type="slidenum">
-              <a:rPr lang="en-US" altLang="zh-CN" smtClean="0"/>
-              <a:pPr>
-                <a:defRPr/>
-              </a:pPr>
-              <a:t>14</a:t>
-            </a:fld>
-            <a:endParaRPr lang="en-US" altLang="zh-CN"/>
-          </a:p>
-        </p:txBody>
-      </p:sp>
-      <p:pic>
-        <p:nvPicPr>
-          <p:cNvPr id="5" name="Picture 3" descr="image004"/>
-          <p:cNvPicPr>
-            <a:picLocks noChangeAspect="1" noChangeArrowheads="1"/>
-          </p:cNvPicPr>
-          <p:nvPr/>
-        </p:nvPicPr>
-        <p:blipFill>
-          <a:blip r:embed="rId2">
-            <a:extLst>
-              <a:ext uri="{28A0092B-C50C-407E-A947-70E740481C1C}">
-                <a14:useLocalDpi xmlns:a14="http://schemas.microsoft.com/office/drawing/2010/main" val="0"/>
-              </a:ext>
-            </a:extLst>
-          </a:blip>
-          <a:srcRect/>
-          <a:stretch>
-            <a:fillRect/>
-          </a:stretch>
-        </p:blipFill>
-        <p:spPr bwMode="auto">
-          <a:xfrm>
-            <a:off x="293316" y="764704"/>
-            <a:ext cx="7128792" cy="5881254"/>
-          </a:xfrm>
-          <a:prstGeom prst="rect">
-            <a:avLst/>
-          </a:prstGeom>
-          <a:ln>
-            <a:noFill/>
-          </a:ln>
-          <a:effectLst>
-            <a:outerShdw blurRad="292100" dist="139700" dir="2700000" algn="tl" rotWithShape="0">
-              <a:srgbClr val="333333">
-                <a:alpha val="65000"/>
-              </a:srgbClr>
-            </a:outerShdw>
-          </a:effectLst>
-          <a:extLst>
-            <a:ext uri="{909E8E84-426E-40DD-AFC4-6F175D3DCCD1}">
-              <a14:hiddenFill xmlns:a14="http://schemas.microsoft.com/office/drawing/2010/main">
-                <a:solidFill>
-                  <a:srgbClr val="FFFFFF"/>
-                </a:solidFill>
-              </a14:hiddenFill>
-            </a:ext>
-            <a:ext uri="{91240B29-F687-4F45-9708-019B960494DF}">
-              <a14:hiddenLine xmlns:a14="http://schemas.microsoft.com/office/drawing/2010/main" w="9525">
-                <a:solidFill>
-                  <a:srgbClr val="000000"/>
-                </a:solidFill>
-                <a:miter lim="800000"/>
-                <a:headEnd/>
-                <a:tailEnd/>
-              </a14:hiddenLine>
-            </a:ext>
-          </a:extLst>
-        </p:spPr>
-      </p:pic>
     </p:spTree>
     <p:extLst>
       <p:ext uri="{BB962C8B-B14F-4D97-AF65-F5344CB8AC3E}">
-        <p14:creationId xmlns:p14="http://schemas.microsoft.com/office/powerpoint/2010/main" val="3856633312"/>
+        <p14:creationId xmlns:p14="http://schemas.microsoft.com/office/powerpoint/2010/main" val="2774482958"/>
       </p:ext>
     </p:extLst>
   </p:cSld>
@@ -13562,6 +12285,13 @@
   <p:transition>
     <p:blinds dir="vert"/>
   </p:transition>
+  <p:timing>
+    <p:tnLst>
+      <p:par>
+        <p:cTn id="1" dur="indefinite" restart="never" nodeType="tmRoot"/>
+      </p:par>
+    </p:tnLst>
+  </p:timing>
 </p:sld>
 </file>
 
@@ -13597,7 +12327,38 @@
           <a:bodyPr/>
           <a:lstStyle/>
           <a:p>
-            <a:endParaRPr lang="zh-CN" altLang="en-US"/>
+            <a:pPr>
+              <a:defRPr/>
+            </a:pPr>
+            <a:r>
+              <a:rPr lang="zh-CN" altLang="en-US" b="1" kern="1200" dirty="0">
+                <a:latin typeface="黑体" pitchFamily="49" charset="-122"/>
+                <a:ea typeface="黑体" pitchFamily="49" charset="-122"/>
+                <a:cs typeface="+mn-cs"/>
+              </a:rPr>
+              <a:t>瀑布模型分析（续）</a:t>
+            </a:r>
+            <a:r>
+              <a:rPr lang="en-US" altLang="zh-CN" b="1" kern="1200" dirty="0">
+                <a:latin typeface="黑体" pitchFamily="49" charset="-122"/>
+                <a:ea typeface="黑体" pitchFamily="49" charset="-122"/>
+                <a:cs typeface="+mn-cs"/>
+              </a:rPr>
+              <a:t>——</a:t>
+            </a:r>
+            <a:r>
+              <a:rPr lang="zh-CN" altLang="en-US" b="1" kern="1200" dirty="0" smtClean="0">
+                <a:latin typeface="黑体" pitchFamily="49" charset="-122"/>
+                <a:ea typeface="黑体" pitchFamily="49" charset="-122"/>
+                <a:cs typeface="+mn-cs"/>
+              </a:rPr>
+              <a:t>优点</a:t>
+            </a:r>
+            <a:endParaRPr b="1" kern="1200" dirty="0">
+              <a:latin typeface="黑体" pitchFamily="49" charset="-122"/>
+              <a:ea typeface="黑体" pitchFamily="49" charset="-122"/>
+              <a:cs typeface="+mn-cs"/>
+            </a:endParaRPr>
           </a:p>
         </p:txBody>
       </p:sp>
@@ -13611,316 +12372,60 @@
             <p:ph idx="1"/>
           </p:nvPr>
         </p:nvSpPr>
-        <p:spPr/>
+        <p:spPr>
+          <a:xfrm>
+            <a:off x="899592" y="2060848"/>
+            <a:ext cx="6840760" cy="4641850"/>
+          </a:xfrm>
+        </p:spPr>
         <p:txBody>
           <a:bodyPr/>
           <a:lstStyle/>
           <a:p>
-            <a:endParaRPr lang="zh-CN" altLang="en-US"/>
-          </a:p>
-        </p:txBody>
-      </p:sp>
-      <p:sp>
-        <p:nvSpPr>
-          <p:cNvPr id="4" name="灯片编号占位符 3"/>
-          <p:cNvSpPr>
-            <a:spLocks noGrp="1"/>
-          </p:cNvSpPr>
-          <p:nvPr>
-            <p:ph type="sldNum" sz="quarter" idx="12"/>
-          </p:nvPr>
-        </p:nvSpPr>
-        <p:spPr/>
-        <p:txBody>
-          <a:bodyPr/>
-          <a:lstStyle/>
-          <a:p>
-            <a:pPr>
-              <a:defRPr/>
+            <a:r>
+              <a:rPr kumimoji="1" lang="zh-CN" altLang="en-US" b="1" dirty="0"/>
+              <a:t>易理解</a:t>
+            </a:r>
+            <a:endParaRPr kumimoji="1" lang="en-US" altLang="zh-CN" b="1" dirty="0"/>
+          </a:p>
+          <a:p>
+            <a:r>
+              <a:rPr kumimoji="1" lang="zh-CN" altLang="en-US" b="1" dirty="0"/>
+              <a:t>阶段性</a:t>
+            </a:r>
+            <a:endParaRPr kumimoji="1" lang="en-US" altLang="zh-CN" b="1" dirty="0"/>
+          </a:p>
+          <a:p>
+            <a:r>
+              <a:rPr kumimoji="1" lang="zh-CN" altLang="en-US" b="1" dirty="0"/>
+              <a:t>强调需求分析</a:t>
+            </a:r>
+            <a:endParaRPr kumimoji="1" lang="en-US" altLang="zh-CN" b="1" dirty="0"/>
+          </a:p>
+          <a:p>
+            <a:r>
+              <a:rPr kumimoji="1" lang="zh-CN" altLang="en-US" b="1" dirty="0"/>
+              <a:t>明确测试阶段</a:t>
+            </a:r>
+            <a:endParaRPr kumimoji="1" lang="en-US" altLang="zh-CN" b="1" dirty="0"/>
+          </a:p>
+          <a:p>
+            <a:r>
+              <a:rPr kumimoji="1" lang="zh-CN" altLang="en-US" b="1" dirty="0"/>
+              <a:t>提供了一套</a:t>
+            </a:r>
+            <a:r>
+              <a:rPr kumimoji="1" lang="zh-CN" altLang="en-US" b="1" dirty="0" smtClean="0"/>
+              <a:t>模板（文档驱动）</a:t>
+            </a:r>
+            <a:endParaRPr kumimoji="1" lang="en-US" altLang="zh-CN" b="1" dirty="0"/>
+          </a:p>
+          <a:p>
+            <a:pPr marL="469900" lvl="1" indent="-469900">
+              <a:buFont typeface="Wingdings" pitchFamily="2" charset="2"/>
+              <a:buChar char="o"/>
             </a:pPr>
-            <a:fld id="{CB6A985E-BE02-4E5A-8B89-C24F6CB4E833}" type="slidenum">
-              <a:rPr lang="en-US" altLang="zh-CN" smtClean="0"/>
-              <a:pPr>
-                <a:defRPr/>
-              </a:pPr>
-              <a:t>15</a:t>
-            </a:fld>
-            <a:endParaRPr lang="en-US" altLang="zh-CN"/>
-          </a:p>
-        </p:txBody>
-      </p:sp>
-      <p:pic>
-        <p:nvPicPr>
-          <p:cNvPr id="5" name="Picture 4"/>
-          <p:cNvPicPr>
-            <a:picLocks noChangeAspect="1" noChangeArrowheads="1"/>
-          </p:cNvPicPr>
-          <p:nvPr/>
-        </p:nvPicPr>
-        <p:blipFill>
-          <a:blip r:embed="rId2">
-            <a:extLst>
-              <a:ext uri="{28A0092B-C50C-407E-A947-70E740481C1C}">
-                <a14:useLocalDpi xmlns:a14="http://schemas.microsoft.com/office/drawing/2010/main" val="0"/>
-              </a:ext>
-            </a:extLst>
-          </a:blip>
-          <a:srcRect/>
-          <a:stretch>
-            <a:fillRect/>
-          </a:stretch>
-        </p:blipFill>
-        <p:spPr bwMode="auto">
-          <a:xfrm>
-            <a:off x="1331640" y="1844824"/>
-            <a:ext cx="7716572" cy="3960440"/>
-          </a:xfrm>
-          <a:prstGeom prst="rect">
-            <a:avLst/>
-          </a:prstGeom>
-          <a:ln>
-            <a:noFill/>
-          </a:ln>
-          <a:effectLst>
-            <a:outerShdw blurRad="292100" dist="139700" dir="2700000" algn="tl" rotWithShape="0">
-              <a:srgbClr val="333333">
-                <a:alpha val="65000"/>
-              </a:srgbClr>
-            </a:outerShdw>
-          </a:effectLst>
-          <a:extLst>
-            <a:ext uri="{909E8E84-426E-40DD-AFC4-6F175D3DCCD1}">
-              <a14:hiddenFill xmlns:a14="http://schemas.microsoft.com/office/drawing/2010/main">
-                <a:solidFill>
-                  <a:srgbClr val="FFFFFF"/>
-                </a:solidFill>
-              </a14:hiddenFill>
-            </a:ext>
-            <a:ext uri="{91240B29-F687-4F45-9708-019B960494DF}">
-              <a14:hiddenLine xmlns:a14="http://schemas.microsoft.com/office/drawing/2010/main" w="9525">
-                <a:solidFill>
-                  <a:srgbClr val="000000"/>
-                </a:solidFill>
-                <a:miter lim="800000"/>
-                <a:headEnd/>
-                <a:tailEnd/>
-              </a14:hiddenLine>
-            </a:ext>
-          </a:extLst>
-        </p:spPr>
-      </p:pic>
-      <p:sp>
-        <p:nvSpPr>
-          <p:cNvPr id="6" name="标题 1"/>
-          <p:cNvSpPr txBox="1">
-            <a:spLocks/>
-          </p:cNvSpPr>
-          <p:nvPr/>
-        </p:nvSpPr>
-        <p:spPr bwMode="auto">
-          <a:xfrm>
-            <a:off x="727075" y="457200"/>
-            <a:ext cx="8001000" cy="1216025"/>
-          </a:xfrm>
-          <a:prstGeom prst="rect">
-            <a:avLst/>
-          </a:prstGeom>
-          <a:noFill/>
-          <a:ln>
-            <a:noFill/>
-          </a:ln>
-          <a:extLst>
-            <a:ext uri="{909E8E84-426E-40DD-AFC4-6F175D3DCCD1}">
-              <a14:hiddenFill xmlns:a14="http://schemas.microsoft.com/office/drawing/2010/main">
-                <a:solidFill>
-                  <a:srgbClr val="FFFFFF"/>
-                </a:solidFill>
-              </a14:hiddenFill>
-            </a:ext>
-            <a:ext uri="{91240B29-F687-4F45-9708-019B960494DF}">
-              <a14:hiddenLine xmlns:a14="http://schemas.microsoft.com/office/drawing/2010/main" w="9525">
-                <a:solidFill>
-                  <a:srgbClr val="000000"/>
-                </a:solidFill>
-                <a:miter lim="800000"/>
-                <a:headEnd/>
-                <a:tailEnd/>
-              </a14:hiddenLine>
-            </a:ext>
-          </a:extLst>
-        </p:spPr>
-        <p:txBody>
-          <a:bodyPr vert="horz" wrap="square" lIns="91440" tIns="45720" rIns="91440" bIns="45720" numCol="1" anchor="b" anchorCtr="0" compatLnSpc="1">
-            <a:prstTxWarp prst="textNoShape">
-              <a:avLst/>
-            </a:prstTxWarp>
-          </a:bodyPr>
-          <a:lstStyle>
-            <a:lvl1pPr algn="l" rtl="0" eaLnBrk="0" fontAlgn="base" hangingPunct="0">
-              <a:spcBef>
-                <a:spcPct val="0"/>
-              </a:spcBef>
-              <a:spcAft>
-                <a:spcPct val="0"/>
-              </a:spcAft>
-              <a:defRPr sz="3800">
-                <a:solidFill>
-                  <a:schemeClr val="tx2"/>
-                </a:solidFill>
-                <a:latin typeface="+mj-lt"/>
-                <a:ea typeface="+mj-ea"/>
-                <a:cs typeface="+mj-cs"/>
-              </a:defRPr>
-            </a:lvl1pPr>
-            <a:lvl2pPr algn="l" rtl="0" eaLnBrk="0" fontAlgn="base" hangingPunct="0">
-              <a:spcBef>
-                <a:spcPct val="0"/>
-              </a:spcBef>
-              <a:spcAft>
-                <a:spcPct val="0"/>
-              </a:spcAft>
-              <a:defRPr sz="3800">
-                <a:solidFill>
-                  <a:schemeClr val="tx2"/>
-                </a:solidFill>
-                <a:latin typeface="Verdana" pitchFamily="34" charset="0"/>
-                <a:ea typeface="宋体" pitchFamily="2" charset="-122"/>
-              </a:defRPr>
-            </a:lvl2pPr>
-            <a:lvl3pPr algn="l" rtl="0" eaLnBrk="0" fontAlgn="base" hangingPunct="0">
-              <a:spcBef>
-                <a:spcPct val="0"/>
-              </a:spcBef>
-              <a:spcAft>
-                <a:spcPct val="0"/>
-              </a:spcAft>
-              <a:defRPr sz="3800">
-                <a:solidFill>
-                  <a:schemeClr val="tx2"/>
-                </a:solidFill>
-                <a:latin typeface="Verdana" pitchFamily="34" charset="0"/>
-                <a:ea typeface="宋体" pitchFamily="2" charset="-122"/>
-              </a:defRPr>
-            </a:lvl3pPr>
-            <a:lvl4pPr algn="l" rtl="0" eaLnBrk="0" fontAlgn="base" hangingPunct="0">
-              <a:spcBef>
-                <a:spcPct val="0"/>
-              </a:spcBef>
-              <a:spcAft>
-                <a:spcPct val="0"/>
-              </a:spcAft>
-              <a:defRPr sz="3800">
-                <a:solidFill>
-                  <a:schemeClr val="tx2"/>
-                </a:solidFill>
-                <a:latin typeface="Verdana" pitchFamily="34" charset="0"/>
-                <a:ea typeface="宋体" pitchFamily="2" charset="-122"/>
-              </a:defRPr>
-            </a:lvl4pPr>
-            <a:lvl5pPr algn="l" rtl="0" eaLnBrk="0" fontAlgn="base" hangingPunct="0">
-              <a:spcBef>
-                <a:spcPct val="0"/>
-              </a:spcBef>
-              <a:spcAft>
-                <a:spcPct val="0"/>
-              </a:spcAft>
-              <a:defRPr sz="3800">
-                <a:solidFill>
-                  <a:schemeClr val="tx2"/>
-                </a:solidFill>
-                <a:latin typeface="Verdana" pitchFamily="34" charset="0"/>
-                <a:ea typeface="宋体" pitchFamily="2" charset="-122"/>
-              </a:defRPr>
-            </a:lvl5pPr>
-            <a:lvl6pPr marL="457200" algn="l" rtl="0" fontAlgn="base">
-              <a:spcBef>
-                <a:spcPct val="0"/>
-              </a:spcBef>
-              <a:spcAft>
-                <a:spcPct val="0"/>
-              </a:spcAft>
-              <a:defRPr sz="3800">
-                <a:solidFill>
-                  <a:schemeClr val="tx2"/>
-                </a:solidFill>
-                <a:latin typeface="Verdana" pitchFamily="34" charset="0"/>
-                <a:ea typeface="宋体" pitchFamily="2" charset="-122"/>
-              </a:defRPr>
-            </a:lvl6pPr>
-            <a:lvl7pPr marL="914400" algn="l" rtl="0" fontAlgn="base">
-              <a:spcBef>
-                <a:spcPct val="0"/>
-              </a:spcBef>
-              <a:spcAft>
-                <a:spcPct val="0"/>
-              </a:spcAft>
-              <a:defRPr sz="3800">
-                <a:solidFill>
-                  <a:schemeClr val="tx2"/>
-                </a:solidFill>
-                <a:latin typeface="Verdana" pitchFamily="34" charset="0"/>
-                <a:ea typeface="宋体" pitchFamily="2" charset="-122"/>
-              </a:defRPr>
-            </a:lvl7pPr>
-            <a:lvl8pPr marL="1371600" algn="l" rtl="0" fontAlgn="base">
-              <a:spcBef>
-                <a:spcPct val="0"/>
-              </a:spcBef>
-              <a:spcAft>
-                <a:spcPct val="0"/>
-              </a:spcAft>
-              <a:defRPr sz="3800">
-                <a:solidFill>
-                  <a:schemeClr val="tx2"/>
-                </a:solidFill>
-                <a:latin typeface="Verdana" pitchFamily="34" charset="0"/>
-                <a:ea typeface="宋体" pitchFamily="2" charset="-122"/>
-              </a:defRPr>
-            </a:lvl8pPr>
-            <a:lvl9pPr marL="1828800" algn="l" rtl="0" fontAlgn="base">
-              <a:spcBef>
-                <a:spcPct val="0"/>
-              </a:spcBef>
-              <a:spcAft>
-                <a:spcPct val="0"/>
-              </a:spcAft>
-              <a:defRPr sz="3800">
-                <a:solidFill>
-                  <a:schemeClr val="tx2"/>
-                </a:solidFill>
-                <a:latin typeface="Verdana" pitchFamily="34" charset="0"/>
-                <a:ea typeface="宋体" pitchFamily="2" charset="-122"/>
-              </a:defRPr>
-            </a:lvl9pPr>
-          </a:lstStyle>
-          <a:p>
-            <a:r>
-              <a:rPr lang="zh-CN" altLang="en-US" b="1" kern="1200" smtClean="0">
-                <a:latin typeface="黑体" pitchFamily="49" charset="-122"/>
-                <a:ea typeface="黑体" pitchFamily="49" charset="-122"/>
-                <a:cs typeface="+mn-cs"/>
-              </a:rPr>
-              <a:t>瀑布模型分析（续）</a:t>
-            </a:r>
-            <a:r>
-              <a:rPr lang="en-US" altLang="zh-CN" b="1" kern="1200" smtClean="0">
-                <a:latin typeface="黑体" pitchFamily="49" charset="-122"/>
-                <a:ea typeface="黑体" pitchFamily="49" charset="-122"/>
-                <a:cs typeface="+mn-cs"/>
-              </a:rPr>
-              <a:t>——</a:t>
-            </a:r>
-            <a:r>
-              <a:rPr lang="zh-CN" altLang="en-US" b="1" kern="1200" smtClean="0">
-                <a:latin typeface="黑体" pitchFamily="49" charset="-122"/>
-                <a:ea typeface="黑体" pitchFamily="49" charset="-122"/>
-                <a:cs typeface="+mn-cs"/>
-              </a:rPr>
-              <a:t>模型实例</a:t>
-            </a:r>
-            <a:endParaRPr lang="zh-CN" altLang="en-US" b="1" kern="1200" dirty="0">
-              <a:latin typeface="黑体" pitchFamily="49" charset="-122"/>
-              <a:ea typeface="黑体" pitchFamily="49" charset="-122"/>
+            <a:endParaRPr kumimoji="1" lang="zh-CN" altLang="en-US" sz="3000" b="1" dirty="0">
               <a:cs typeface="+mn-cs"/>
             </a:endParaRPr>
           </a:p>
@@ -13929,7 +12434,7 @@
     </p:spTree>
     <p:extLst>
       <p:ext uri="{BB962C8B-B14F-4D97-AF65-F5344CB8AC3E}">
-        <p14:creationId xmlns:p14="http://schemas.microsoft.com/office/powerpoint/2010/main" val="2894711479"/>
+        <p14:creationId xmlns:p14="http://schemas.microsoft.com/office/powerpoint/2010/main" val="3927002636"/>
       </p:ext>
     </p:extLst>
   </p:cSld>
@@ -13981,7 +12486,38 @@
           <a:bodyPr/>
           <a:lstStyle/>
           <a:p>
-            <a:endParaRPr lang="zh-CN" altLang="en-US"/>
+            <a:pPr>
+              <a:defRPr/>
+            </a:pPr>
+            <a:r>
+              <a:rPr lang="zh-CN" altLang="en-US" b="1" kern="1200" dirty="0">
+                <a:latin typeface="黑体" pitchFamily="49" charset="-122"/>
+                <a:ea typeface="黑体" pitchFamily="49" charset="-122"/>
+                <a:cs typeface="+mn-cs"/>
+              </a:rPr>
+              <a:t>瀑布模型分析（续）</a:t>
+            </a:r>
+            <a:r>
+              <a:rPr lang="en-US" altLang="zh-CN" b="1" kern="1200" dirty="0" smtClean="0">
+                <a:latin typeface="黑体" pitchFamily="49" charset="-122"/>
+                <a:ea typeface="黑体" pitchFamily="49" charset="-122"/>
+                <a:cs typeface="+mn-cs"/>
+              </a:rPr>
+              <a:t>——</a:t>
+            </a:r>
+            <a:r>
+              <a:rPr lang="zh-CN" altLang="en-US" b="1" kern="1200" dirty="0" smtClean="0">
+                <a:latin typeface="黑体" pitchFamily="49" charset="-122"/>
+                <a:ea typeface="黑体" pitchFamily="49" charset="-122"/>
+                <a:cs typeface="+mn-cs"/>
+              </a:rPr>
+              <a:t>缺点</a:t>
+            </a:r>
+            <a:endParaRPr b="1" kern="1200" dirty="0">
+              <a:latin typeface="黑体" pitchFamily="49" charset="-122"/>
+              <a:ea typeface="黑体" pitchFamily="49" charset="-122"/>
+              <a:cs typeface="+mn-cs"/>
+            </a:endParaRPr>
           </a:p>
         </p:txBody>
       </p:sp>
@@ -14000,43 +12536,175 @@
           <a:bodyPr/>
           <a:lstStyle/>
           <a:p>
-            <a:endParaRPr lang="zh-CN" altLang="en-US"/>
-          </a:p>
-        </p:txBody>
-      </p:sp>
-      <p:sp>
-        <p:nvSpPr>
-          <p:cNvPr id="4" name="灯片编号占位符 3"/>
-          <p:cNvSpPr>
-            <a:spLocks noGrp="1"/>
-          </p:cNvSpPr>
-          <p:nvPr>
-            <p:ph type="sldNum" sz="quarter" idx="12"/>
-          </p:nvPr>
-        </p:nvSpPr>
-        <p:spPr/>
-        <p:txBody>
-          <a:bodyPr/>
-          <a:lstStyle/>
-          <a:p>
-            <a:pPr>
-              <a:defRPr/>
-            </a:pPr>
-            <a:fld id="{CB6A985E-BE02-4E5A-8B89-C24F6CB4E833}" type="slidenum">
-              <a:rPr lang="en-US" altLang="zh-CN" smtClean="0"/>
-              <a:pPr>
-                <a:defRPr/>
-              </a:pPr>
-              <a:t>16</a:t>
-            </a:fld>
-            <a:endParaRPr lang="en-US" altLang="zh-CN"/>
+            <a:r>
+              <a:rPr lang="zh-CN" altLang="en-US" b="1" dirty="0" smtClean="0">
+                <a:latin typeface="+mn-ea"/>
+              </a:rPr>
+              <a:t>线性严格</a:t>
+            </a:r>
+            <a:r>
+              <a:rPr lang="en-US" altLang="zh-CN" b="1" dirty="0" smtClean="0">
+                <a:latin typeface="+mn-ea"/>
+              </a:rPr>
+              <a:t>——</a:t>
+            </a:r>
+            <a:r>
+              <a:rPr lang="zh-CN" altLang="en-US" b="1" dirty="0" smtClean="0">
+                <a:latin typeface="+mn-ea"/>
+              </a:rPr>
+              <a:t>成果</a:t>
+            </a:r>
+            <a:r>
+              <a:rPr lang="zh-CN" altLang="en-US" b="1" dirty="0">
+                <a:latin typeface="+mn-ea"/>
+              </a:rPr>
+              <a:t>晚出</a:t>
+            </a:r>
+            <a:r>
+              <a:rPr lang="en-US" altLang="zh-CN" b="1" dirty="0">
+                <a:latin typeface="+mn-ea"/>
+              </a:rPr>
+              <a:t>——</a:t>
+            </a:r>
+            <a:r>
+              <a:rPr lang="zh-CN" altLang="en-US" b="1" dirty="0" smtClean="0">
+                <a:latin typeface="+mn-ea"/>
+              </a:rPr>
+              <a:t>风险</a:t>
+            </a:r>
+            <a:endParaRPr lang="en-US" altLang="zh-CN" b="1" dirty="0" smtClean="0">
+              <a:latin typeface="+mn-ea"/>
+            </a:endParaRPr>
+          </a:p>
+          <a:p>
+            <a:r>
+              <a:rPr lang="zh-CN" altLang="en-US" b="1" dirty="0">
+                <a:latin typeface="+mn-ea"/>
+              </a:rPr>
+              <a:t>阶段</a:t>
+            </a:r>
+            <a:r>
+              <a:rPr lang="zh-CN" altLang="en-US" b="1" dirty="0" smtClean="0">
+                <a:latin typeface="+mn-ea"/>
+              </a:rPr>
+              <a:t>固定</a:t>
+            </a:r>
+            <a:r>
+              <a:rPr lang="en-US" altLang="zh-CN" b="1" dirty="0" smtClean="0">
+                <a:latin typeface="+mn-ea"/>
+              </a:rPr>
+              <a:t>——</a:t>
+            </a:r>
+            <a:r>
+              <a:rPr lang="zh-CN" altLang="en-US" b="1" dirty="0" smtClean="0">
+                <a:latin typeface="+mn-ea"/>
+              </a:rPr>
+              <a:t>反复</a:t>
+            </a:r>
+            <a:r>
+              <a:rPr lang="en-US" altLang="zh-CN" b="1" dirty="0" smtClean="0">
+                <a:latin typeface="+mn-ea"/>
+              </a:rPr>
+              <a:t>&amp;</a:t>
+            </a:r>
+            <a:r>
+              <a:rPr lang="zh-CN" altLang="en-US" b="1" dirty="0" smtClean="0">
+                <a:latin typeface="+mn-ea"/>
+              </a:rPr>
+              <a:t>迭代</a:t>
+            </a:r>
+            <a:r>
+              <a:rPr lang="en-US" altLang="zh-CN" b="1" dirty="0" smtClean="0">
+                <a:latin typeface="+mn-ea"/>
+              </a:rPr>
+              <a:t>——</a:t>
+            </a:r>
+            <a:r>
+              <a:rPr lang="zh-CN" altLang="en-US" b="1" dirty="0">
+                <a:latin typeface="+mn-ea"/>
+              </a:rPr>
+              <a:t>灵活性</a:t>
+            </a:r>
+            <a:endParaRPr lang="en-US" altLang="zh-CN" b="1" dirty="0" smtClean="0">
+              <a:latin typeface="+mn-ea"/>
+            </a:endParaRPr>
+          </a:p>
+          <a:p>
+            <a:r>
+              <a:rPr lang="zh-CN" altLang="en-US" b="1" dirty="0">
+                <a:latin typeface="+mn-ea"/>
+              </a:rPr>
+              <a:t>单次需求</a:t>
+            </a:r>
+            <a:r>
+              <a:rPr lang="en-US" altLang="zh-CN" b="1" dirty="0">
+                <a:latin typeface="+mn-ea"/>
+              </a:rPr>
+              <a:t>——</a:t>
+            </a:r>
+            <a:r>
+              <a:rPr lang="zh-CN" altLang="en-US" b="1" dirty="0">
+                <a:latin typeface="+mn-ea"/>
+              </a:rPr>
+              <a:t>需求变更</a:t>
+            </a:r>
+            <a:r>
+              <a:rPr lang="en-US" altLang="zh-CN" b="1" dirty="0">
+                <a:latin typeface="+mn-ea"/>
+              </a:rPr>
+              <a:t>——</a:t>
+            </a:r>
+            <a:r>
+              <a:rPr lang="zh-CN" altLang="en-US" b="1" dirty="0">
+                <a:latin typeface="+mn-ea"/>
+              </a:rPr>
+              <a:t>适应性</a:t>
+            </a:r>
+            <a:endParaRPr lang="en-US" altLang="zh-CN" b="1" dirty="0">
+              <a:latin typeface="+mn-ea"/>
+            </a:endParaRPr>
+          </a:p>
+          <a:p>
+            <a:r>
+              <a:rPr lang="zh-CN" altLang="en-US" b="1" dirty="0" smtClean="0">
+                <a:latin typeface="+mn-ea"/>
+              </a:rPr>
+              <a:t>测试滞后</a:t>
+            </a:r>
+            <a:r>
+              <a:rPr lang="en-US" altLang="zh-CN" b="1" dirty="0" smtClean="0">
+                <a:latin typeface="+mn-ea"/>
+              </a:rPr>
+              <a:t>——</a:t>
+            </a:r>
+            <a:r>
+              <a:rPr lang="zh-CN" altLang="en-US" b="1" dirty="0" smtClean="0">
+                <a:latin typeface="+mn-ea"/>
+              </a:rPr>
+              <a:t>缺陷晚查</a:t>
+            </a:r>
+            <a:r>
+              <a:rPr lang="en-US" altLang="zh-CN" b="1" dirty="0" smtClean="0">
+                <a:latin typeface="+mn-ea"/>
+              </a:rPr>
+              <a:t>——</a:t>
+            </a:r>
+            <a:r>
+              <a:rPr lang="zh-CN" altLang="en-US" b="1" dirty="0" smtClean="0">
+                <a:latin typeface="+mn-ea"/>
+              </a:rPr>
+              <a:t>代价</a:t>
+            </a:r>
+            <a:endParaRPr lang="en-US" altLang="zh-CN" b="1" dirty="0" smtClean="0">
+              <a:latin typeface="+mn-ea"/>
+            </a:endParaRPr>
           </a:p>
         </p:txBody>
       </p:sp>
     </p:spTree>
     <p:extLst>
       <p:ext uri="{BB962C8B-B14F-4D97-AF65-F5344CB8AC3E}">
-        <p14:creationId xmlns:p14="http://schemas.microsoft.com/office/powerpoint/2010/main" val="1291341099"/>
+        <p14:creationId xmlns:p14="http://schemas.microsoft.com/office/powerpoint/2010/main" val="2846267387"/>
       </p:ext>
     </p:extLst>
   </p:cSld>
@@ -14046,6 +12714,13 @@
   <p:transition>
     <p:blinds dir="vert"/>
   </p:transition>
+  <p:timing>
+    <p:tnLst>
+      <p:par>
+        <p:cTn id="1" dur="indefinite" restart="never" nodeType="tmRoot"/>
+      </p:par>
+    </p:tnLst>
+  </p:timing>
 </p:sld>
 </file>
 
@@ -14081,106 +12756,6 @@
           <a:bodyPr/>
           <a:lstStyle/>
           <a:p>
-            <a:endParaRPr lang="zh-CN" altLang="en-US"/>
-          </a:p>
-        </p:txBody>
-      </p:sp>
-      <p:sp>
-        <p:nvSpPr>
-          <p:cNvPr id="3" name="内容占位符 2"/>
-          <p:cNvSpPr>
-            <a:spLocks noGrp="1"/>
-          </p:cNvSpPr>
-          <p:nvPr>
-            <p:ph idx="1"/>
-          </p:nvPr>
-        </p:nvSpPr>
-        <p:spPr/>
-        <p:txBody>
-          <a:bodyPr/>
-          <a:lstStyle/>
-          <a:p>
-            <a:endParaRPr lang="zh-CN" altLang="en-US"/>
-          </a:p>
-        </p:txBody>
-      </p:sp>
-      <p:sp>
-        <p:nvSpPr>
-          <p:cNvPr id="4" name="灯片编号占位符 3"/>
-          <p:cNvSpPr>
-            <a:spLocks noGrp="1"/>
-          </p:cNvSpPr>
-          <p:nvPr>
-            <p:ph type="sldNum" sz="quarter" idx="12"/>
-          </p:nvPr>
-        </p:nvSpPr>
-        <p:spPr/>
-        <p:txBody>
-          <a:bodyPr/>
-          <a:lstStyle/>
-          <a:p>
-            <a:pPr>
-              <a:defRPr/>
-            </a:pPr>
-            <a:fld id="{CB6A985E-BE02-4E5A-8B89-C24F6CB4E833}" type="slidenum">
-              <a:rPr lang="en-US" altLang="zh-CN" smtClean="0"/>
-              <a:pPr>
-                <a:defRPr/>
-              </a:pPr>
-              <a:t>17</a:t>
-            </a:fld>
-            <a:endParaRPr lang="en-US" altLang="zh-CN"/>
-          </a:p>
-        </p:txBody>
-      </p:sp>
-    </p:spTree>
-    <p:extLst>
-      <p:ext uri="{BB962C8B-B14F-4D97-AF65-F5344CB8AC3E}">
-        <p14:creationId xmlns:p14="http://schemas.microsoft.com/office/powerpoint/2010/main" val="4027618206"/>
-      </p:ext>
-    </p:extLst>
-  </p:cSld>
-  <p:clrMapOvr>
-    <a:masterClrMapping/>
-  </p:clrMapOvr>
-  <p:transition>
-    <p:blinds dir="vert"/>
-  </p:transition>
-</p:sld>
-</file>
-
-<file path=ppt/slides/slide18.xml><?xml version="1.0" encoding="utf-8"?>
-<p:sld xmlns:a="http://schemas.openxmlformats.org/drawingml/2006/main" xmlns:r="http://schemas.openxmlformats.org/officeDocument/2006/relationships" xmlns:p="http://schemas.openxmlformats.org/presentationml/2006/main">
-  <p:cSld>
-    <p:spTree>
-      <p:nvGrpSpPr>
-        <p:cNvPr id="1" name=""/>
-        <p:cNvGrpSpPr/>
-        <p:nvPr/>
-      </p:nvGrpSpPr>
-      <p:grpSpPr>
-        <a:xfrm>
-          <a:off x="0" y="0"/>
-          <a:ext cx="0" cy="0"/>
-          <a:chOff x="0" y="0"/>
-          <a:chExt cx="0" cy="0"/>
-        </a:xfrm>
-      </p:grpSpPr>
-      <p:sp>
-        <p:nvSpPr>
-          <p:cNvPr id="2" name="标题 1"/>
-          <p:cNvSpPr>
-            <a:spLocks noGrp="1"/>
-          </p:cNvSpPr>
-          <p:nvPr>
-            <p:ph type="title"/>
-          </p:nvPr>
-        </p:nvSpPr>
-        <p:spPr/>
-        <p:txBody>
-          <a:bodyPr/>
-          <a:lstStyle/>
-          <a:p>
             <a:pPr>
               <a:defRPr/>
             </a:pPr>
@@ -14206,7 +12781,7 @@
                 <a:ea typeface="黑体" pitchFamily="49" charset="-122"/>
                 <a:cs typeface="+mn-cs"/>
               </a:rPr>
-              <a:t>定义及特点</a:t>
+              <a:t>实际应用</a:t>
             </a:r>
             <a:endParaRPr b="1" kern="1200" dirty="0">
               <a:latin typeface="黑体" pitchFamily="49" charset="-122"/>
@@ -14232,1793 +12807,6 @@
           <a:lstStyle/>
           <a:p>
             <a:r>
-              <a:rPr kumimoji="1" lang="zh-CN" altLang="en-US" b="1" dirty="0" smtClean="0"/>
-              <a:t>瀑布模型</a:t>
-            </a:r>
-            <a:endParaRPr kumimoji="1" lang="en-US" altLang="zh-CN" b="1" dirty="0" smtClean="0"/>
-          </a:p>
-          <a:p>
-            <a:pPr marL="1090612" lvl="1" indent="-457200"/>
-            <a:r>
-              <a:rPr lang="zh-CN" altLang="en-US" b="1" dirty="0"/>
-              <a:t>如同瀑布流水，逐级下落。</a:t>
-            </a:r>
-            <a:r>
-              <a:rPr lang="en-US" altLang="zh-CN" b="1" dirty="0"/>
-              <a:t>——</a:t>
-            </a:r>
-            <a:r>
-              <a:rPr lang="zh-CN" altLang="en-US" b="1" dirty="0"/>
-              <a:t>样式</a:t>
-            </a:r>
-            <a:endParaRPr lang="en-US" altLang="zh-CN" b="1" dirty="0"/>
-          </a:p>
-          <a:p>
-            <a:pPr marL="1090612" lvl="1" indent="-457200"/>
-            <a:r>
-              <a:rPr lang="zh-CN" altLang="en-US" b="1" dirty="0"/>
-              <a:t>将软件生存周期各活动规定为依线性顺序联接的若干阶段的模型。</a:t>
-            </a:r>
-            <a:endParaRPr lang="en-US" altLang="zh-CN" b="1" dirty="0"/>
-          </a:p>
-          <a:p>
-            <a:pPr marL="1090612" lvl="1" indent="-457200"/>
-            <a:r>
-              <a:rPr lang="zh-CN" altLang="en-US" b="1" dirty="0"/>
-              <a:t>包括需求分析、概要设计、详细设计、编码、测试和维护等阶段。</a:t>
-            </a:r>
-            <a:endParaRPr lang="en-US" altLang="zh-CN" b="1" dirty="0"/>
-          </a:p>
-          <a:p>
-            <a:pPr marL="0" indent="0">
-              <a:buNone/>
-            </a:pPr>
-            <a:endParaRPr lang="en-US" altLang="zh-CN" dirty="0" smtClean="0"/>
-          </a:p>
-        </p:txBody>
-      </p:sp>
-      <p:sp>
-        <p:nvSpPr>
-          <p:cNvPr id="3" name="矩形 2"/>
-          <p:cNvSpPr/>
-          <p:nvPr/>
-        </p:nvSpPr>
-        <p:spPr>
-          <a:xfrm>
-            <a:off x="1160994" y="3862789"/>
-            <a:ext cx="2037737" cy="646331"/>
-          </a:xfrm>
-          <a:prstGeom prst="rect">
-            <a:avLst/>
-          </a:prstGeom>
-          <a:noFill/>
-        </p:spPr>
-        <p:txBody>
-          <a:bodyPr wrap="none" lIns="91440" tIns="45720" rIns="91440" bIns="45720">
-            <a:spAutoFit/>
-          </a:bodyPr>
-          <a:lstStyle/>
-          <a:p>
-            <a:pPr marL="0" lvl="1" algn="ctr"/>
-            <a:r>
-              <a:rPr lang="zh-CN" altLang="en-US" sz="3600" b="1" dirty="0" smtClean="0">
-                <a:ln w="18415" cmpd="sng">
-                  <a:solidFill>
-                    <a:srgbClr val="FFFFFF"/>
-                  </a:solidFill>
-                  <a:prstDash val="solid"/>
-                </a:ln>
-                <a:solidFill>
-                  <a:srgbClr val="0070C0"/>
-                </a:solidFill>
-                <a:effectLst>
-                  <a:outerShdw blurRad="63500" dir="3600000" algn="tl" rotWithShape="0">
-                    <a:srgbClr val="000000">
-                      <a:alpha val="70000"/>
-                    </a:srgbClr>
-                  </a:outerShdw>
-                </a:effectLst>
-                <a:latin typeface="方正姚体" pitchFamily="2" charset="-122"/>
-                <a:ea typeface="方正姚体" pitchFamily="2" charset="-122"/>
-              </a:rPr>
-              <a:t>线性严格</a:t>
-            </a:r>
-            <a:endParaRPr lang="en-US" altLang="zh-CN" sz="3600" b="1" dirty="0">
-              <a:ln w="18415" cmpd="sng">
-                <a:solidFill>
-                  <a:srgbClr val="FFFFFF"/>
-                </a:solidFill>
-                <a:prstDash val="solid"/>
-              </a:ln>
-              <a:solidFill>
-                <a:srgbClr val="0070C0"/>
-              </a:solidFill>
-              <a:effectLst>
-                <a:outerShdw blurRad="63500" dir="3600000" algn="tl" rotWithShape="0">
-                  <a:srgbClr val="000000">
-                    <a:alpha val="70000"/>
-                  </a:srgbClr>
-                </a:outerShdw>
-              </a:effectLst>
-              <a:latin typeface="方正姚体" pitchFamily="2" charset="-122"/>
-              <a:ea typeface="方正姚体" pitchFamily="2" charset="-122"/>
-            </a:endParaRPr>
-          </a:p>
-        </p:txBody>
-      </p:sp>
-      <p:sp>
-        <p:nvSpPr>
-          <p:cNvPr id="7" name="矩形 6"/>
-          <p:cNvSpPr/>
-          <p:nvPr/>
-        </p:nvSpPr>
-        <p:spPr>
-          <a:xfrm>
-            <a:off x="2300567" y="4798893"/>
-            <a:ext cx="2037737" cy="646331"/>
-          </a:xfrm>
-          <a:prstGeom prst="rect">
-            <a:avLst/>
-          </a:prstGeom>
-          <a:noFill/>
-        </p:spPr>
-        <p:txBody>
-          <a:bodyPr wrap="none" lIns="91440" tIns="45720" rIns="91440" bIns="45720">
-            <a:spAutoFit/>
-          </a:bodyPr>
-          <a:lstStyle/>
-          <a:p>
-            <a:pPr marL="0" lvl="1" algn="ctr"/>
-            <a:r>
-              <a:rPr lang="zh-CN" altLang="en-US" sz="3600" b="1" dirty="0" smtClean="0">
-                <a:ln w="18415" cmpd="sng">
-                  <a:solidFill>
-                    <a:srgbClr val="FFFFFF"/>
-                  </a:solidFill>
-                  <a:prstDash val="solid"/>
-                </a:ln>
-                <a:solidFill>
-                  <a:srgbClr val="0070C0"/>
-                </a:solidFill>
-                <a:effectLst>
-                  <a:outerShdw blurRad="63500" dir="3600000" algn="tl" rotWithShape="0">
-                    <a:srgbClr val="000000">
-                      <a:alpha val="70000"/>
-                    </a:srgbClr>
-                  </a:outerShdw>
-                </a:effectLst>
-                <a:latin typeface="方正姚体" pitchFamily="2" charset="-122"/>
-                <a:ea typeface="方正姚体" pitchFamily="2" charset="-122"/>
-              </a:rPr>
-              <a:t>结果影响</a:t>
-            </a:r>
-            <a:endParaRPr lang="en-US" altLang="zh-CN" sz="3600" b="1" dirty="0">
-              <a:ln w="18415" cmpd="sng">
-                <a:solidFill>
-                  <a:srgbClr val="FFFFFF"/>
-                </a:solidFill>
-                <a:prstDash val="solid"/>
-              </a:ln>
-              <a:solidFill>
-                <a:srgbClr val="0070C0"/>
-              </a:solidFill>
-              <a:effectLst>
-                <a:outerShdw blurRad="63500" dir="3600000" algn="tl" rotWithShape="0">
-                  <a:srgbClr val="000000">
-                    <a:alpha val="70000"/>
-                  </a:srgbClr>
-                </a:outerShdw>
-              </a:effectLst>
-              <a:latin typeface="方正姚体" pitchFamily="2" charset="-122"/>
-              <a:ea typeface="方正姚体" pitchFamily="2" charset="-122"/>
-            </a:endParaRPr>
-          </a:p>
-        </p:txBody>
-      </p:sp>
-      <p:pic>
-        <p:nvPicPr>
-          <p:cNvPr id="8" name="Picture 2"/>
-          <p:cNvPicPr>
-            <a:picLocks noChangeAspect="1" noChangeArrowheads="1"/>
-          </p:cNvPicPr>
-          <p:nvPr/>
-        </p:nvPicPr>
-        <p:blipFill>
-          <a:blip r:embed="rId3">
-            <a:extLst>
-              <a:ext uri="{28A0092B-C50C-407E-A947-70E740481C1C}">
-                <a14:useLocalDpi xmlns:a14="http://schemas.microsoft.com/office/drawing/2010/main" val="0"/>
-              </a:ext>
-            </a:extLst>
-          </a:blip>
-          <a:srcRect/>
-          <a:stretch>
-            <a:fillRect/>
-          </a:stretch>
-        </p:blipFill>
-        <p:spPr bwMode="auto">
-          <a:xfrm rot="578927">
-            <a:off x="4530264" y="3134179"/>
-            <a:ext cx="3574747" cy="2592288"/>
-          </a:xfrm>
-          <a:prstGeom prst="rect">
-            <a:avLst/>
-          </a:prstGeom>
-          <a:solidFill>
-            <a:srgbClr val="FFFFFF">
-              <a:shade val="85000"/>
-            </a:srgbClr>
-          </a:solidFill>
-          <a:ln w="190500" cap="sq">
-            <a:solidFill>
-              <a:srgbClr val="FFFFFF"/>
-            </a:solidFill>
-            <a:miter lim="800000"/>
-          </a:ln>
-          <a:effectLst>
-            <a:outerShdw blurRad="65000" dist="50800" dir="12900000" kx="195000" ky="145000" algn="tl" rotWithShape="0">
-              <a:srgbClr val="000000">
-                <a:alpha val="30000"/>
-              </a:srgbClr>
-            </a:outerShdw>
-          </a:effectLst>
-          <a:scene3d>
-            <a:camera prst="orthographicFront">
-              <a:rot lat="0" lon="0" rev="360000"/>
-            </a:camera>
-            <a:lightRig rig="twoPt" dir="t">
-              <a:rot lat="0" lon="0" rev="7200000"/>
-            </a:lightRig>
-          </a:scene3d>
-          <a:sp3d contourW="12700">
-            <a:bevelT w="25400" h="19050"/>
-            <a:contourClr>
-              <a:srgbClr val="969696"/>
-            </a:contourClr>
-          </a:sp3d>
-          <a:extLst/>
-        </p:spPr>
-      </p:pic>
-    </p:spTree>
-    <p:extLst>
-      <p:ext uri="{BB962C8B-B14F-4D97-AF65-F5344CB8AC3E}">
-        <p14:creationId xmlns:p14="http://schemas.microsoft.com/office/powerpoint/2010/main" val="2774482958"/>
-      </p:ext>
-    </p:extLst>
-  </p:cSld>
-  <p:clrMapOvr>
-    <a:masterClrMapping/>
-  </p:clrMapOvr>
-  <p:transition>
-    <p:blinds dir="vert"/>
-  </p:transition>
-  <p:timing>
-    <p:tnLst>
-      <p:par>
-        <p:cTn id="1" dur="indefinite" restart="never" nodeType="tmRoot">
-          <p:childTnLst>
-            <p:seq concurrent="1" nextAc="seek">
-              <p:cTn id="2" dur="indefinite" nodeType="mainSeq">
-                <p:childTnLst>
-                  <p:par>
-                    <p:cTn id="3" fill="hold">
-                      <p:stCondLst>
-                        <p:cond delay="indefinite"/>
-                      </p:stCondLst>
-                      <p:childTnLst>
-                        <p:par>
-                          <p:cTn id="4" fill="hold">
-                            <p:stCondLst>
-                              <p:cond delay="0"/>
-                            </p:stCondLst>
-                            <p:childTnLst>
-                              <p:par>
-                                <p:cTn id="5" presetID="22" presetClass="entr" presetSubtype="4" fill="hold" nodeType="clickEffect">
-                                  <p:stCondLst>
-                                    <p:cond delay="0"/>
-                                  </p:stCondLst>
-                                  <p:childTnLst>
-                                    <p:set>
-                                      <p:cBhvr>
-                                        <p:cTn id="6" dur="1" fill="hold">
-                                          <p:stCondLst>
-                                            <p:cond delay="0"/>
-                                          </p:stCondLst>
-                                        </p:cTn>
-                                        <p:tgtEl>
-                                          <p:spTgt spid="22531">
-                                            <p:txEl>
-                                              <p:pRg st="1" end="1"/>
-                                            </p:txEl>
-                                          </p:spTgt>
-                                        </p:tgtEl>
-                                        <p:attrNameLst>
-                                          <p:attrName>style.visibility</p:attrName>
-                                        </p:attrNameLst>
-                                      </p:cBhvr>
-                                      <p:to>
-                                        <p:strVal val="visible"/>
-                                      </p:to>
-                                    </p:set>
-                                    <p:animEffect transition="in" filter="wipe(down)">
-                                      <p:cBhvr>
-                                        <p:cTn id="7" dur="500"/>
-                                        <p:tgtEl>
-                                          <p:spTgt spid="22531">
-                                            <p:txEl>
-                                              <p:pRg st="1" end="1"/>
-                                            </p:txEl>
-                                          </p:spTgt>
-                                        </p:tgtEl>
-                                      </p:cBhvr>
-                                    </p:animEffect>
-                                  </p:childTnLst>
-                                </p:cTn>
-                              </p:par>
-                              <p:par>
-                                <p:cTn id="8" presetID="22" presetClass="entr" presetSubtype="4" fill="hold" nodeType="withEffect">
-                                  <p:stCondLst>
-                                    <p:cond delay="0"/>
-                                  </p:stCondLst>
-                                  <p:childTnLst>
-                                    <p:set>
-                                      <p:cBhvr>
-                                        <p:cTn id="9" dur="1" fill="hold">
-                                          <p:stCondLst>
-                                            <p:cond delay="0"/>
-                                          </p:stCondLst>
-                                        </p:cTn>
-                                        <p:tgtEl>
-                                          <p:spTgt spid="22531">
-                                            <p:txEl>
-                                              <p:pRg st="2" end="2"/>
-                                            </p:txEl>
-                                          </p:spTgt>
-                                        </p:tgtEl>
-                                        <p:attrNameLst>
-                                          <p:attrName>style.visibility</p:attrName>
-                                        </p:attrNameLst>
-                                      </p:cBhvr>
-                                      <p:to>
-                                        <p:strVal val="visible"/>
-                                      </p:to>
-                                    </p:set>
-                                    <p:animEffect transition="in" filter="wipe(down)">
-                                      <p:cBhvr>
-                                        <p:cTn id="10" dur="500"/>
-                                        <p:tgtEl>
-                                          <p:spTgt spid="22531">
-                                            <p:txEl>
-                                              <p:pRg st="2" end="2"/>
-                                            </p:txEl>
-                                          </p:spTgt>
-                                        </p:tgtEl>
-                                      </p:cBhvr>
-                                    </p:animEffect>
-                                  </p:childTnLst>
-                                </p:cTn>
-                              </p:par>
-                              <p:par>
-                                <p:cTn id="11" presetID="22" presetClass="entr" presetSubtype="4" fill="hold" nodeType="withEffect">
-                                  <p:stCondLst>
-                                    <p:cond delay="0"/>
-                                  </p:stCondLst>
-                                  <p:childTnLst>
-                                    <p:set>
-                                      <p:cBhvr>
-                                        <p:cTn id="12" dur="1" fill="hold">
-                                          <p:stCondLst>
-                                            <p:cond delay="0"/>
-                                          </p:stCondLst>
-                                        </p:cTn>
-                                        <p:tgtEl>
-                                          <p:spTgt spid="22531">
-                                            <p:txEl>
-                                              <p:pRg st="3" end="3"/>
-                                            </p:txEl>
-                                          </p:spTgt>
-                                        </p:tgtEl>
-                                        <p:attrNameLst>
-                                          <p:attrName>style.visibility</p:attrName>
-                                        </p:attrNameLst>
-                                      </p:cBhvr>
-                                      <p:to>
-                                        <p:strVal val="visible"/>
-                                      </p:to>
-                                    </p:set>
-                                    <p:animEffect transition="in" filter="wipe(down)">
-                                      <p:cBhvr>
-                                        <p:cTn id="13" dur="500"/>
-                                        <p:tgtEl>
-                                          <p:spTgt spid="22531">
-                                            <p:txEl>
-                                              <p:pRg st="3" end="3"/>
-                                            </p:txEl>
-                                          </p:spTgt>
-                                        </p:tgtEl>
-                                      </p:cBhvr>
-                                    </p:animEffect>
-                                  </p:childTnLst>
-                                </p:cTn>
-                              </p:par>
-                            </p:childTnLst>
-                          </p:cTn>
-                        </p:par>
-                      </p:childTnLst>
-                    </p:cTn>
-                  </p:par>
-                  <p:par>
-                    <p:cTn id="14" fill="hold">
-                      <p:stCondLst>
-                        <p:cond delay="indefinite"/>
-                      </p:stCondLst>
-                      <p:childTnLst>
-                        <p:par>
-                          <p:cTn id="15" fill="hold">
-                            <p:stCondLst>
-                              <p:cond delay="0"/>
-                            </p:stCondLst>
-                            <p:childTnLst>
-                              <p:par>
-                                <p:cTn id="16" presetID="53" presetClass="entr" presetSubtype="16" fill="hold" grpId="1" nodeType="clickEffect">
-                                  <p:stCondLst>
-                                    <p:cond delay="0"/>
-                                  </p:stCondLst>
-                                  <p:childTnLst>
-                                    <p:set>
-                                      <p:cBhvr>
-                                        <p:cTn id="17" dur="1" fill="hold">
-                                          <p:stCondLst>
-                                            <p:cond delay="0"/>
-                                          </p:stCondLst>
-                                        </p:cTn>
-                                        <p:tgtEl>
-                                          <p:spTgt spid="3"/>
-                                        </p:tgtEl>
-                                        <p:attrNameLst>
-                                          <p:attrName>style.visibility</p:attrName>
-                                        </p:attrNameLst>
-                                      </p:cBhvr>
-                                      <p:to>
-                                        <p:strVal val="visible"/>
-                                      </p:to>
-                                    </p:set>
-                                    <p:anim calcmode="lin" valueType="num">
-                                      <p:cBhvr>
-                                        <p:cTn id="18" dur="500" fill="hold"/>
-                                        <p:tgtEl>
-                                          <p:spTgt spid="3"/>
-                                        </p:tgtEl>
-                                        <p:attrNameLst>
-                                          <p:attrName>ppt_w</p:attrName>
-                                        </p:attrNameLst>
-                                      </p:cBhvr>
-                                      <p:tavLst>
-                                        <p:tav tm="0">
-                                          <p:val>
-                                            <p:fltVal val="0"/>
-                                          </p:val>
-                                        </p:tav>
-                                        <p:tav tm="100000">
-                                          <p:val>
-                                            <p:strVal val="#ppt_w"/>
-                                          </p:val>
-                                        </p:tav>
-                                      </p:tavLst>
-                                    </p:anim>
-                                    <p:anim calcmode="lin" valueType="num">
-                                      <p:cBhvr>
-                                        <p:cTn id="19" dur="500" fill="hold"/>
-                                        <p:tgtEl>
-                                          <p:spTgt spid="3"/>
-                                        </p:tgtEl>
-                                        <p:attrNameLst>
-                                          <p:attrName>ppt_h</p:attrName>
-                                        </p:attrNameLst>
-                                      </p:cBhvr>
-                                      <p:tavLst>
-                                        <p:tav tm="0">
-                                          <p:val>
-                                            <p:fltVal val="0"/>
-                                          </p:val>
-                                        </p:tav>
-                                        <p:tav tm="100000">
-                                          <p:val>
-                                            <p:strVal val="#ppt_h"/>
-                                          </p:val>
-                                        </p:tav>
-                                      </p:tavLst>
-                                    </p:anim>
-                                    <p:animEffect transition="in" filter="fade">
-                                      <p:cBhvr>
-                                        <p:cTn id="20" dur="500"/>
-                                        <p:tgtEl>
-                                          <p:spTgt spid="3"/>
-                                        </p:tgtEl>
-                                      </p:cBhvr>
-                                    </p:animEffect>
-                                  </p:childTnLst>
-                                </p:cTn>
-                              </p:par>
-                              <p:par>
-                                <p:cTn id="21" presetID="53" presetClass="entr" presetSubtype="16" fill="hold" grpId="1" nodeType="withEffect">
-                                  <p:stCondLst>
-                                    <p:cond delay="0"/>
-                                  </p:stCondLst>
-                                  <p:childTnLst>
-                                    <p:set>
-                                      <p:cBhvr>
-                                        <p:cTn id="22" dur="1" fill="hold">
-                                          <p:stCondLst>
-                                            <p:cond delay="0"/>
-                                          </p:stCondLst>
-                                        </p:cTn>
-                                        <p:tgtEl>
-                                          <p:spTgt spid="7"/>
-                                        </p:tgtEl>
-                                        <p:attrNameLst>
-                                          <p:attrName>style.visibility</p:attrName>
-                                        </p:attrNameLst>
-                                      </p:cBhvr>
-                                      <p:to>
-                                        <p:strVal val="visible"/>
-                                      </p:to>
-                                    </p:set>
-                                    <p:anim calcmode="lin" valueType="num">
-                                      <p:cBhvr>
-                                        <p:cTn id="23" dur="500" fill="hold"/>
-                                        <p:tgtEl>
-                                          <p:spTgt spid="7"/>
-                                        </p:tgtEl>
-                                        <p:attrNameLst>
-                                          <p:attrName>ppt_w</p:attrName>
-                                        </p:attrNameLst>
-                                      </p:cBhvr>
-                                      <p:tavLst>
-                                        <p:tav tm="0">
-                                          <p:val>
-                                            <p:fltVal val="0"/>
-                                          </p:val>
-                                        </p:tav>
-                                        <p:tav tm="100000">
-                                          <p:val>
-                                            <p:strVal val="#ppt_w"/>
-                                          </p:val>
-                                        </p:tav>
-                                      </p:tavLst>
-                                    </p:anim>
-                                    <p:anim calcmode="lin" valueType="num">
-                                      <p:cBhvr>
-                                        <p:cTn id="24" dur="500" fill="hold"/>
-                                        <p:tgtEl>
-                                          <p:spTgt spid="7"/>
-                                        </p:tgtEl>
-                                        <p:attrNameLst>
-                                          <p:attrName>ppt_h</p:attrName>
-                                        </p:attrNameLst>
-                                      </p:cBhvr>
-                                      <p:tavLst>
-                                        <p:tav tm="0">
-                                          <p:val>
-                                            <p:fltVal val="0"/>
-                                          </p:val>
-                                        </p:tav>
-                                        <p:tav tm="100000">
-                                          <p:val>
-                                            <p:strVal val="#ppt_h"/>
-                                          </p:val>
-                                        </p:tav>
-                                      </p:tavLst>
-                                    </p:anim>
-                                    <p:animEffect transition="in" filter="fade">
-                                      <p:cBhvr>
-                                        <p:cTn id="25" dur="500"/>
-                                        <p:tgtEl>
-                                          <p:spTgt spid="7"/>
-                                        </p:tgtEl>
-                                      </p:cBhvr>
-                                    </p:animEffect>
-                                  </p:childTnLst>
-                                </p:cTn>
-                              </p:par>
-                            </p:childTnLst>
-                          </p:cTn>
-                        </p:par>
-                      </p:childTnLst>
-                    </p:cTn>
-                  </p:par>
-                  <p:par>
-                    <p:cTn id="26" fill="hold">
-                      <p:stCondLst>
-                        <p:cond delay="indefinite"/>
-                      </p:stCondLst>
-                      <p:childTnLst>
-                        <p:par>
-                          <p:cTn id="27" fill="hold">
-                            <p:stCondLst>
-                              <p:cond delay="0"/>
-                            </p:stCondLst>
-                            <p:childTnLst>
-                              <p:par>
-                                <p:cTn id="28" presetID="32" presetClass="emph" presetSubtype="0" fill="hold" grpId="0" nodeType="clickEffect">
-                                  <p:stCondLst>
-                                    <p:cond delay="0"/>
-                                  </p:stCondLst>
-                                  <p:childTnLst>
-                                    <p:animRot by="120000">
-                                      <p:cBhvr>
-                                        <p:cTn id="29" dur="100" fill="hold">
-                                          <p:stCondLst>
-                                            <p:cond delay="0"/>
-                                          </p:stCondLst>
-                                        </p:cTn>
-                                        <p:tgtEl>
-                                          <p:spTgt spid="3"/>
-                                        </p:tgtEl>
-                                        <p:attrNameLst>
-                                          <p:attrName>r</p:attrName>
-                                        </p:attrNameLst>
-                                      </p:cBhvr>
-                                    </p:animRot>
-                                    <p:animRot by="-240000">
-                                      <p:cBhvr>
-                                        <p:cTn id="30" dur="200" fill="hold">
-                                          <p:stCondLst>
-                                            <p:cond delay="200"/>
-                                          </p:stCondLst>
-                                        </p:cTn>
-                                        <p:tgtEl>
-                                          <p:spTgt spid="3"/>
-                                        </p:tgtEl>
-                                        <p:attrNameLst>
-                                          <p:attrName>r</p:attrName>
-                                        </p:attrNameLst>
-                                      </p:cBhvr>
-                                    </p:animRot>
-                                    <p:animRot by="240000">
-                                      <p:cBhvr>
-                                        <p:cTn id="31" dur="200" fill="hold">
-                                          <p:stCondLst>
-                                            <p:cond delay="400"/>
-                                          </p:stCondLst>
-                                        </p:cTn>
-                                        <p:tgtEl>
-                                          <p:spTgt spid="3"/>
-                                        </p:tgtEl>
-                                        <p:attrNameLst>
-                                          <p:attrName>r</p:attrName>
-                                        </p:attrNameLst>
-                                      </p:cBhvr>
-                                    </p:animRot>
-                                    <p:animRot by="-240000">
-                                      <p:cBhvr>
-                                        <p:cTn id="32" dur="200" fill="hold">
-                                          <p:stCondLst>
-                                            <p:cond delay="600"/>
-                                          </p:stCondLst>
-                                        </p:cTn>
-                                        <p:tgtEl>
-                                          <p:spTgt spid="3"/>
-                                        </p:tgtEl>
-                                        <p:attrNameLst>
-                                          <p:attrName>r</p:attrName>
-                                        </p:attrNameLst>
-                                      </p:cBhvr>
-                                    </p:animRot>
-                                    <p:animRot by="120000">
-                                      <p:cBhvr>
-                                        <p:cTn id="33" dur="200" fill="hold">
-                                          <p:stCondLst>
-                                            <p:cond delay="800"/>
-                                          </p:stCondLst>
-                                        </p:cTn>
-                                        <p:tgtEl>
-                                          <p:spTgt spid="3"/>
-                                        </p:tgtEl>
-                                        <p:attrNameLst>
-                                          <p:attrName>r</p:attrName>
-                                        </p:attrNameLst>
-                                      </p:cBhvr>
-                                    </p:animRot>
-                                  </p:childTnLst>
-                                </p:cTn>
-                              </p:par>
-                              <p:par>
-                                <p:cTn id="34" presetID="32" presetClass="emph" presetSubtype="0" fill="hold" grpId="0" nodeType="withEffect">
-                                  <p:stCondLst>
-                                    <p:cond delay="0"/>
-                                  </p:stCondLst>
-                                  <p:childTnLst>
-                                    <p:animRot by="120000">
-                                      <p:cBhvr>
-                                        <p:cTn id="35" dur="100" fill="hold">
-                                          <p:stCondLst>
-                                            <p:cond delay="0"/>
-                                          </p:stCondLst>
-                                        </p:cTn>
-                                        <p:tgtEl>
-                                          <p:spTgt spid="7"/>
-                                        </p:tgtEl>
-                                        <p:attrNameLst>
-                                          <p:attrName>r</p:attrName>
-                                        </p:attrNameLst>
-                                      </p:cBhvr>
-                                    </p:animRot>
-                                    <p:animRot by="-240000">
-                                      <p:cBhvr>
-                                        <p:cTn id="36" dur="200" fill="hold">
-                                          <p:stCondLst>
-                                            <p:cond delay="200"/>
-                                          </p:stCondLst>
-                                        </p:cTn>
-                                        <p:tgtEl>
-                                          <p:spTgt spid="7"/>
-                                        </p:tgtEl>
-                                        <p:attrNameLst>
-                                          <p:attrName>r</p:attrName>
-                                        </p:attrNameLst>
-                                      </p:cBhvr>
-                                    </p:animRot>
-                                    <p:animRot by="240000">
-                                      <p:cBhvr>
-                                        <p:cTn id="37" dur="200" fill="hold">
-                                          <p:stCondLst>
-                                            <p:cond delay="400"/>
-                                          </p:stCondLst>
-                                        </p:cTn>
-                                        <p:tgtEl>
-                                          <p:spTgt spid="7"/>
-                                        </p:tgtEl>
-                                        <p:attrNameLst>
-                                          <p:attrName>r</p:attrName>
-                                        </p:attrNameLst>
-                                      </p:cBhvr>
-                                    </p:animRot>
-                                    <p:animRot by="-240000">
-                                      <p:cBhvr>
-                                        <p:cTn id="38" dur="200" fill="hold">
-                                          <p:stCondLst>
-                                            <p:cond delay="600"/>
-                                          </p:stCondLst>
-                                        </p:cTn>
-                                        <p:tgtEl>
-                                          <p:spTgt spid="7"/>
-                                        </p:tgtEl>
-                                        <p:attrNameLst>
-                                          <p:attrName>r</p:attrName>
-                                        </p:attrNameLst>
-                                      </p:cBhvr>
-                                    </p:animRot>
-                                    <p:animRot by="120000">
-                                      <p:cBhvr>
-                                        <p:cTn id="39" dur="200" fill="hold">
-                                          <p:stCondLst>
-                                            <p:cond delay="800"/>
-                                          </p:stCondLst>
-                                        </p:cTn>
-                                        <p:tgtEl>
-                                          <p:spTgt spid="7"/>
-                                        </p:tgtEl>
-                                        <p:attrNameLst>
-                                          <p:attrName>r</p:attrName>
-                                        </p:attrNameLst>
-                                      </p:cBhvr>
-                                    </p:animRot>
-                                  </p:childTnLst>
-                                </p:cTn>
-                              </p:par>
-                            </p:childTnLst>
-                          </p:cTn>
-                        </p:par>
-                      </p:childTnLst>
-                    </p:cTn>
-                  </p:par>
-                </p:childTnLst>
-              </p:cTn>
-              <p:prevCondLst>
-                <p:cond evt="onPrev" delay="0">
-                  <p:tgtEl>
-                    <p:sldTgt/>
-                  </p:tgtEl>
-                </p:cond>
-              </p:prevCondLst>
-              <p:nextCondLst>
-                <p:cond evt="onNext" delay="0">
-                  <p:tgtEl>
-                    <p:sldTgt/>
-                  </p:tgtEl>
-                </p:cond>
-              </p:nextCondLst>
-            </p:seq>
-          </p:childTnLst>
-        </p:cTn>
-      </p:par>
-    </p:tnLst>
-    <p:bldLst>
-      <p:bldP spid="3" grpId="0"/>
-      <p:bldP spid="3" grpId="1"/>
-      <p:bldP spid="7" grpId="0"/>
-      <p:bldP spid="7" grpId="1"/>
-    </p:bldLst>
-  </p:timing>
-</p:sld>
-</file>
-
-<file path=ppt/slides/slide19.xml><?xml version="1.0" encoding="utf-8"?>
-<p:sld xmlns:a="http://schemas.openxmlformats.org/drawingml/2006/main" xmlns:r="http://schemas.openxmlformats.org/officeDocument/2006/relationships" xmlns:p="http://schemas.openxmlformats.org/presentationml/2006/main">
-  <p:cSld>
-    <p:spTree>
-      <p:nvGrpSpPr>
-        <p:cNvPr id="1" name=""/>
-        <p:cNvGrpSpPr/>
-        <p:nvPr/>
-      </p:nvGrpSpPr>
-      <p:grpSpPr>
-        <a:xfrm>
-          <a:off x="0" y="0"/>
-          <a:ext cx="0" cy="0"/>
-          <a:chOff x="0" y="0"/>
-          <a:chExt cx="0" cy="0"/>
-        </a:xfrm>
-      </p:grpSpPr>
-      <p:sp>
-        <p:nvSpPr>
-          <p:cNvPr id="2" name="标题 1"/>
-          <p:cNvSpPr>
-            <a:spLocks noGrp="1"/>
-          </p:cNvSpPr>
-          <p:nvPr>
-            <p:ph type="title"/>
-          </p:nvPr>
-        </p:nvSpPr>
-        <p:spPr/>
-        <p:txBody>
-          <a:bodyPr/>
-          <a:lstStyle/>
-          <a:p>
-            <a:pPr>
-              <a:defRPr/>
-            </a:pPr>
-            <a:r>
-              <a:rPr lang="zh-CN" altLang="en-US" b="1" kern="1200" dirty="0">
-                <a:latin typeface="黑体" pitchFamily="49" charset="-122"/>
-                <a:ea typeface="黑体" pitchFamily="49" charset="-122"/>
-                <a:cs typeface="+mn-cs"/>
-              </a:rPr>
-              <a:t>瀑布模型分析（续）</a:t>
-            </a:r>
-            <a:r>
-              <a:rPr lang="en-US" altLang="zh-CN" b="1" kern="1200" dirty="0">
-                <a:latin typeface="黑体" pitchFamily="49" charset="-122"/>
-                <a:ea typeface="黑体" pitchFamily="49" charset="-122"/>
-                <a:cs typeface="+mn-cs"/>
-              </a:rPr>
-              <a:t>——</a:t>
-            </a:r>
-            <a:r>
-              <a:rPr lang="zh-CN" altLang="en-US" b="1" kern="1200" dirty="0" smtClean="0">
-                <a:latin typeface="黑体" pitchFamily="49" charset="-122"/>
-                <a:ea typeface="黑体" pitchFamily="49" charset="-122"/>
-                <a:cs typeface="+mn-cs"/>
-              </a:rPr>
-              <a:t>优点</a:t>
-            </a:r>
-            <a:endParaRPr b="1" kern="1200" dirty="0">
-              <a:latin typeface="黑体" pitchFamily="49" charset="-122"/>
-              <a:ea typeface="黑体" pitchFamily="49" charset="-122"/>
-              <a:cs typeface="+mn-cs"/>
-            </a:endParaRPr>
-          </a:p>
-        </p:txBody>
-      </p:sp>
-      <p:pic>
-        <p:nvPicPr>
-          <p:cNvPr id="1026" name="Picture 2"/>
-          <p:cNvPicPr>
-            <a:picLocks noChangeAspect="1" noChangeArrowheads="1"/>
-          </p:cNvPicPr>
-          <p:nvPr/>
-        </p:nvPicPr>
-        <p:blipFill>
-          <a:blip r:embed="rId3">
-            <a:extLst>
-              <a:ext uri="{28A0092B-C50C-407E-A947-70E740481C1C}">
-                <a14:useLocalDpi xmlns:a14="http://schemas.microsoft.com/office/drawing/2010/main" val="0"/>
-              </a:ext>
-            </a:extLst>
-          </a:blip>
-          <a:srcRect/>
-          <a:stretch>
-            <a:fillRect/>
-          </a:stretch>
-        </p:blipFill>
-        <p:spPr bwMode="auto">
-          <a:xfrm rot="578927">
-            <a:off x="5215577" y="3872249"/>
-            <a:ext cx="3574747" cy="2592288"/>
-          </a:xfrm>
-          <a:prstGeom prst="rect">
-            <a:avLst/>
-          </a:prstGeom>
-          <a:solidFill>
-            <a:srgbClr val="FFFFFF">
-              <a:shade val="85000"/>
-            </a:srgbClr>
-          </a:solidFill>
-          <a:ln w="190500" cap="sq">
-            <a:solidFill>
-              <a:srgbClr val="FFFFFF"/>
-            </a:solidFill>
-            <a:miter lim="800000"/>
-          </a:ln>
-          <a:effectLst>
-            <a:outerShdw blurRad="65000" dist="50800" dir="12900000" kx="195000" ky="145000" algn="tl" rotWithShape="0">
-              <a:srgbClr val="000000">
-                <a:alpha val="30000"/>
-              </a:srgbClr>
-            </a:outerShdw>
-          </a:effectLst>
-          <a:scene3d>
-            <a:camera prst="orthographicFront">
-              <a:rot lat="0" lon="0" rev="360000"/>
-            </a:camera>
-            <a:lightRig rig="twoPt" dir="t">
-              <a:rot lat="0" lon="0" rev="7200000"/>
-            </a:lightRig>
-          </a:scene3d>
-          <a:sp3d contourW="12700">
-            <a:bevelT w="25400" h="19050"/>
-            <a:contourClr>
-              <a:srgbClr val="969696"/>
-            </a:contourClr>
-          </a:sp3d>
-          <a:extLst/>
-        </p:spPr>
-      </p:pic>
-      <p:sp>
-        <p:nvSpPr>
-          <p:cNvPr id="3" name="内容占位符 2"/>
-          <p:cNvSpPr>
-            <a:spLocks noGrp="1"/>
-          </p:cNvSpPr>
-          <p:nvPr>
-            <p:ph idx="1"/>
-          </p:nvPr>
-        </p:nvSpPr>
-        <p:spPr>
-          <a:xfrm>
-            <a:off x="539552" y="2103930"/>
-            <a:ext cx="3600400" cy="4641850"/>
-          </a:xfrm>
-        </p:spPr>
-        <p:txBody>
-          <a:bodyPr/>
-          <a:lstStyle/>
-          <a:p>
-            <a:r>
-              <a:rPr kumimoji="1" lang="zh-CN" altLang="en-US" b="1" dirty="0"/>
-              <a:t>易理解</a:t>
-            </a:r>
-            <a:endParaRPr kumimoji="1" lang="en-US" altLang="zh-CN" b="1" dirty="0"/>
-          </a:p>
-          <a:p>
-            <a:r>
-              <a:rPr kumimoji="1" lang="zh-CN" altLang="en-US" b="1" dirty="0"/>
-              <a:t>阶段性</a:t>
-            </a:r>
-            <a:endParaRPr kumimoji="1" lang="en-US" altLang="zh-CN" b="1" dirty="0"/>
-          </a:p>
-          <a:p>
-            <a:r>
-              <a:rPr kumimoji="1" lang="zh-CN" altLang="en-US" b="1" dirty="0"/>
-              <a:t>强调需求分析</a:t>
-            </a:r>
-            <a:endParaRPr kumimoji="1" lang="en-US" altLang="zh-CN" b="1" dirty="0"/>
-          </a:p>
-          <a:p>
-            <a:r>
-              <a:rPr kumimoji="1" lang="zh-CN" altLang="en-US" b="1" dirty="0"/>
-              <a:t>明确测试阶段</a:t>
-            </a:r>
-            <a:endParaRPr kumimoji="1" lang="en-US" altLang="zh-CN" b="1" dirty="0"/>
-          </a:p>
-          <a:p>
-            <a:r>
-              <a:rPr kumimoji="1" lang="zh-CN" altLang="en-US" b="1" dirty="0"/>
-              <a:t>提供了一套模板</a:t>
-            </a:r>
-            <a:endParaRPr kumimoji="1" lang="en-US" altLang="zh-CN" b="1" dirty="0"/>
-          </a:p>
-          <a:p>
-            <a:pPr marL="469900" lvl="1" indent="-469900">
-              <a:buFont typeface="Wingdings" pitchFamily="2" charset="2"/>
-              <a:buChar char="o"/>
-            </a:pPr>
-            <a:endParaRPr kumimoji="1" lang="zh-CN" altLang="en-US" sz="3000" b="1" dirty="0">
-              <a:cs typeface="+mn-cs"/>
-            </a:endParaRPr>
-          </a:p>
-        </p:txBody>
-      </p:sp>
-      <p:pic>
-        <p:nvPicPr>
-          <p:cNvPr id="8" name="Picture 3"/>
-          <p:cNvPicPr>
-            <a:picLocks noChangeAspect="1" noChangeArrowheads="1"/>
-          </p:cNvPicPr>
-          <p:nvPr/>
-        </p:nvPicPr>
-        <p:blipFill>
-          <a:blip r:embed="rId4">
-            <a:extLst>
-              <a:ext uri="{28A0092B-C50C-407E-A947-70E740481C1C}">
-                <a14:useLocalDpi xmlns:a14="http://schemas.microsoft.com/office/drawing/2010/main" val="0"/>
-              </a:ext>
-            </a:extLst>
-          </a:blip>
-          <a:srcRect/>
-          <a:stretch>
-            <a:fillRect/>
-          </a:stretch>
-        </p:blipFill>
-        <p:spPr bwMode="auto">
-          <a:xfrm>
-            <a:off x="3747143" y="1916832"/>
-            <a:ext cx="3255807" cy="2410620"/>
-          </a:xfrm>
-          <a:prstGeom prst="rect">
-            <a:avLst/>
-          </a:prstGeom>
-          <a:solidFill>
-            <a:srgbClr val="FFFFFF">
-              <a:shade val="85000"/>
-            </a:srgbClr>
-          </a:solidFill>
-          <a:ln w="190500" cap="sq">
-            <a:solidFill>
-              <a:srgbClr val="FFFFFF"/>
-            </a:solidFill>
-            <a:miter lim="800000"/>
-          </a:ln>
-          <a:effectLst>
-            <a:outerShdw blurRad="65000" dist="50800" dir="12900000" kx="195000" ky="145000" algn="tl" rotWithShape="0">
-              <a:srgbClr val="000000">
-                <a:alpha val="30000"/>
-              </a:srgbClr>
-            </a:outerShdw>
-          </a:effectLst>
-          <a:scene3d>
-            <a:camera prst="orthographicFront">
-              <a:rot lat="0" lon="0" rev="360000"/>
-            </a:camera>
-            <a:lightRig rig="twoPt" dir="t">
-              <a:rot lat="0" lon="0" rev="7200000"/>
-            </a:lightRig>
-          </a:scene3d>
-          <a:sp3d contourW="12700">
-            <a:bevelT w="25400" h="19050"/>
-            <a:contourClr>
-              <a:srgbClr val="969696"/>
-            </a:contourClr>
-          </a:sp3d>
-          <a:extLst/>
-        </p:spPr>
-      </p:pic>
-    </p:spTree>
-    <p:extLst>
-      <p:ext uri="{BB962C8B-B14F-4D97-AF65-F5344CB8AC3E}">
-        <p14:creationId xmlns:p14="http://schemas.microsoft.com/office/powerpoint/2010/main" val="3927002636"/>
-      </p:ext>
-    </p:extLst>
-  </p:cSld>
-  <p:clrMapOvr>
-    <a:masterClrMapping/>
-  </p:clrMapOvr>
-  <p:transition>
-    <p:blinds dir="vert"/>
-  </p:transition>
-  <p:timing>
-    <p:tnLst>
-      <p:par>
-        <p:cTn id="1" dur="indefinite" restart="never" nodeType="tmRoot"/>
-      </p:par>
-    </p:tnLst>
-  </p:timing>
-</p:sld>
-</file>
-
-<file path=ppt/slides/slide2.xml><?xml version="1.0" encoding="utf-8"?>
-<p:sld xmlns:a="http://schemas.openxmlformats.org/drawingml/2006/main" xmlns:r="http://schemas.openxmlformats.org/officeDocument/2006/relationships" xmlns:p="http://schemas.openxmlformats.org/presentationml/2006/main">
-  <p:cSld>
-    <p:spTree>
-      <p:nvGrpSpPr>
-        <p:cNvPr id="1" name=""/>
-        <p:cNvGrpSpPr/>
-        <p:nvPr/>
-      </p:nvGrpSpPr>
-      <p:grpSpPr>
-        <a:xfrm>
-          <a:off x="0" y="0"/>
-          <a:ext cx="0" cy="0"/>
-          <a:chOff x="0" y="0"/>
-          <a:chExt cx="0" cy="0"/>
-        </a:xfrm>
-      </p:grpSpPr>
-      <p:sp>
-        <p:nvSpPr>
-          <p:cNvPr id="4098" name="灯片编号占位符 5"/>
-          <p:cNvSpPr>
-            <a:spLocks noGrp="1"/>
-          </p:cNvSpPr>
-          <p:nvPr>
-            <p:ph type="sldNum" sz="quarter" idx="12"/>
-          </p:nvPr>
-        </p:nvSpPr>
-        <p:spPr>
-          <a:noFill/>
-          <a:ln/>
-          <a:extLst>
-            <a:ext uri="{909E8E84-426E-40DD-AFC4-6F175D3DCCD1}">
-              <a14:hiddenFill xmlns:a14="http://schemas.microsoft.com/office/drawing/2010/main">
-                <a:solidFill>
-                  <a:srgbClr val="FFFFFF"/>
-                </a:solidFill>
-              </a14:hiddenFill>
-            </a:ext>
-            <a:ext uri="{91240B29-F687-4F45-9708-019B960494DF}">
-              <a14:hiddenLine xmlns:a14="http://schemas.microsoft.com/office/drawing/2010/main" w="9525">
-                <a:solidFill>
-                  <a:srgbClr val="000000"/>
-                </a:solidFill>
-                <a:miter lim="800000"/>
-                <a:headEnd/>
-                <a:tailEnd/>
-              </a14:hiddenLine>
-            </a:ext>
-          </a:extLst>
-        </p:spPr>
-        <p:txBody>
-          <a:bodyPr/>
-          <a:lstStyle>
-            <a:lvl1pPr eaLnBrk="0" hangingPunct="0">
-              <a:defRPr>
-                <a:solidFill>
-                  <a:schemeClr val="tx1"/>
-                </a:solidFill>
-                <a:latin typeface="Verdana" pitchFamily="34" charset="0"/>
-                <a:ea typeface="宋体" pitchFamily="2" charset="-122"/>
-              </a:defRPr>
-            </a:lvl1pPr>
-            <a:lvl2pPr marL="742950" indent="-285750" eaLnBrk="0" hangingPunct="0">
-              <a:defRPr>
-                <a:solidFill>
-                  <a:schemeClr val="tx1"/>
-                </a:solidFill>
-                <a:latin typeface="Verdana" pitchFamily="34" charset="0"/>
-                <a:ea typeface="宋体" pitchFamily="2" charset="-122"/>
-              </a:defRPr>
-            </a:lvl2pPr>
-            <a:lvl3pPr marL="1143000" indent="-228600" eaLnBrk="0" hangingPunct="0">
-              <a:defRPr>
-                <a:solidFill>
-                  <a:schemeClr val="tx1"/>
-                </a:solidFill>
-                <a:latin typeface="Verdana" pitchFamily="34" charset="0"/>
-                <a:ea typeface="宋体" pitchFamily="2" charset="-122"/>
-              </a:defRPr>
-            </a:lvl3pPr>
-            <a:lvl4pPr marL="1600200" indent="-228600" eaLnBrk="0" hangingPunct="0">
-              <a:defRPr>
-                <a:solidFill>
-                  <a:schemeClr val="tx1"/>
-                </a:solidFill>
-                <a:latin typeface="Verdana" pitchFamily="34" charset="0"/>
-                <a:ea typeface="宋体" pitchFamily="2" charset="-122"/>
-              </a:defRPr>
-            </a:lvl4pPr>
-            <a:lvl5pPr marL="2057400" indent="-228600" eaLnBrk="0" hangingPunct="0">
-              <a:defRPr>
-                <a:solidFill>
-                  <a:schemeClr val="tx1"/>
-                </a:solidFill>
-                <a:latin typeface="Verdana" pitchFamily="34" charset="0"/>
-                <a:ea typeface="宋体" pitchFamily="2" charset="-122"/>
-              </a:defRPr>
-            </a:lvl5pPr>
-            <a:lvl6pPr marL="2514600" indent="-228600" eaLnBrk="0" fontAlgn="base" hangingPunct="0">
-              <a:spcBef>
-                <a:spcPct val="0"/>
-              </a:spcBef>
-              <a:spcAft>
-                <a:spcPct val="0"/>
-              </a:spcAft>
-              <a:defRPr>
-                <a:solidFill>
-                  <a:schemeClr val="tx1"/>
-                </a:solidFill>
-                <a:latin typeface="Verdana" pitchFamily="34" charset="0"/>
-                <a:ea typeface="宋体" pitchFamily="2" charset="-122"/>
-              </a:defRPr>
-            </a:lvl6pPr>
-            <a:lvl7pPr marL="2971800" indent="-228600" eaLnBrk="0" fontAlgn="base" hangingPunct="0">
-              <a:spcBef>
-                <a:spcPct val="0"/>
-              </a:spcBef>
-              <a:spcAft>
-                <a:spcPct val="0"/>
-              </a:spcAft>
-              <a:defRPr>
-                <a:solidFill>
-                  <a:schemeClr val="tx1"/>
-                </a:solidFill>
-                <a:latin typeface="Verdana" pitchFamily="34" charset="0"/>
-                <a:ea typeface="宋体" pitchFamily="2" charset="-122"/>
-              </a:defRPr>
-            </a:lvl7pPr>
-            <a:lvl8pPr marL="3429000" indent="-228600" eaLnBrk="0" fontAlgn="base" hangingPunct="0">
-              <a:spcBef>
-                <a:spcPct val="0"/>
-              </a:spcBef>
-              <a:spcAft>
-                <a:spcPct val="0"/>
-              </a:spcAft>
-              <a:defRPr>
-                <a:solidFill>
-                  <a:schemeClr val="tx1"/>
-                </a:solidFill>
-                <a:latin typeface="Verdana" pitchFamily="34" charset="0"/>
-                <a:ea typeface="宋体" pitchFamily="2" charset="-122"/>
-              </a:defRPr>
-            </a:lvl8pPr>
-            <a:lvl9pPr marL="3886200" indent="-228600" eaLnBrk="0" fontAlgn="base" hangingPunct="0">
-              <a:spcBef>
-                <a:spcPct val="0"/>
-              </a:spcBef>
-              <a:spcAft>
-                <a:spcPct val="0"/>
-              </a:spcAft>
-              <a:defRPr>
-                <a:solidFill>
-                  <a:schemeClr val="tx1"/>
-                </a:solidFill>
-                <a:latin typeface="Verdana" pitchFamily="34" charset="0"/>
-                <a:ea typeface="宋体" pitchFamily="2" charset="-122"/>
-              </a:defRPr>
-            </a:lvl9pPr>
-          </a:lstStyle>
-          <a:p>
-            <a:pPr eaLnBrk="1" hangingPunct="1"/>
-            <a:fld id="{00D856F0-7BE2-4B3C-BE9E-9024D91CDFBF}" type="slidenum">
-              <a:rPr lang="en-US" altLang="zh-CN" smtClean="0"/>
-              <a:pPr eaLnBrk="1" hangingPunct="1"/>
-              <a:t>2</a:t>
-            </a:fld>
-            <a:endParaRPr lang="en-US" altLang="zh-CN" smtClean="0"/>
-          </a:p>
-        </p:txBody>
-      </p:sp>
-      <p:sp>
-        <p:nvSpPr>
-          <p:cNvPr id="4099" name="Rectangle 2"/>
-          <p:cNvSpPr>
-            <a:spLocks noGrp="1" noChangeArrowheads="1"/>
-          </p:cNvSpPr>
-          <p:nvPr>
-            <p:ph type="title"/>
-          </p:nvPr>
-        </p:nvSpPr>
-        <p:spPr/>
-        <p:txBody>
-          <a:bodyPr/>
-          <a:lstStyle/>
-          <a:p>
-            <a:pPr eaLnBrk="1" hangingPunct="1"/>
-            <a:r>
-              <a:rPr lang="zh-CN" altLang="en-US" b="1" dirty="0" smtClean="0">
-                <a:latin typeface="黑体" pitchFamily="49" charset="-122"/>
-                <a:ea typeface="黑体" pitchFamily="49" charset="-122"/>
-              </a:rPr>
-              <a:t>第</a:t>
-            </a:r>
-            <a:r>
-              <a:rPr lang="en-US" altLang="zh-CN" b="1" dirty="0" smtClean="0">
-                <a:latin typeface="黑体" pitchFamily="49" charset="-122"/>
-                <a:ea typeface="黑体" pitchFamily="49" charset="-122"/>
-              </a:rPr>
-              <a:t>10</a:t>
-            </a:r>
-            <a:r>
-              <a:rPr lang="zh-CN" altLang="en-US" b="1" dirty="0" smtClean="0">
-                <a:latin typeface="黑体" pitchFamily="49" charset="-122"/>
-                <a:ea typeface="黑体" pitchFamily="49" charset="-122"/>
-              </a:rPr>
-              <a:t>章  测试过程管理（补充）</a:t>
-            </a:r>
-          </a:p>
-        </p:txBody>
-      </p:sp>
-      <p:sp>
-        <p:nvSpPr>
-          <p:cNvPr id="4100" name="Rectangle 3"/>
-          <p:cNvSpPr>
-            <a:spLocks noGrp="1" noChangeArrowheads="1"/>
-          </p:cNvSpPr>
-          <p:nvPr>
-            <p:ph type="body" idx="1"/>
-          </p:nvPr>
-        </p:nvSpPr>
-        <p:spPr/>
-        <p:txBody>
-          <a:bodyPr/>
-          <a:lstStyle/>
-          <a:p>
-            <a:pPr eaLnBrk="1" hangingPunct="1"/>
-            <a:r>
-              <a:rPr lang="zh-CN" altLang="en-US" sz="3400" b="1" dirty="0" smtClean="0"/>
-              <a:t>内容提要</a:t>
-            </a:r>
-          </a:p>
-          <a:p>
-            <a:pPr lvl="1" eaLnBrk="1" hangingPunct="1">
-              <a:lnSpc>
-                <a:spcPct val="150000"/>
-              </a:lnSpc>
-              <a:defRPr/>
-            </a:pPr>
-            <a:r>
-              <a:rPr lang="zh-CN" altLang="en-US" b="1" dirty="0" smtClean="0"/>
-              <a:t>了解</a:t>
-            </a:r>
-            <a:r>
-              <a:rPr lang="zh-CN" altLang="en-US" b="1" dirty="0"/>
-              <a:t>常见的软件开发模型</a:t>
-            </a:r>
-            <a:endParaRPr lang="en-US" altLang="zh-CN" b="1" dirty="0"/>
-          </a:p>
-          <a:p>
-            <a:pPr lvl="1" eaLnBrk="1" hangingPunct="1">
-              <a:lnSpc>
-                <a:spcPct val="150000"/>
-              </a:lnSpc>
-              <a:defRPr/>
-            </a:pPr>
-            <a:r>
-              <a:rPr lang="zh-CN" altLang="en-US" b="1" dirty="0"/>
-              <a:t>理解瀑布模型的内涵及优缺点</a:t>
-            </a:r>
-            <a:endParaRPr lang="en-US" altLang="zh-CN" b="1" dirty="0"/>
-          </a:p>
-        </p:txBody>
-      </p:sp>
-    </p:spTree>
-  </p:cSld>
-  <p:clrMapOvr>
-    <a:masterClrMapping/>
-  </p:clrMapOvr>
-  <p:transition/>
-  <p:timing>
-    <p:tnLst>
-      <p:par>
-        <p:cTn id="1" dur="indefinite" restart="never" nodeType="tmRoot"/>
-      </p:par>
-    </p:tnLst>
-  </p:timing>
-</p:sld>
-</file>
-
-<file path=ppt/slides/slide20.xml><?xml version="1.0" encoding="utf-8"?>
-<p:sld xmlns:a="http://schemas.openxmlformats.org/drawingml/2006/main" xmlns:r="http://schemas.openxmlformats.org/officeDocument/2006/relationships" xmlns:p="http://schemas.openxmlformats.org/presentationml/2006/main">
-  <p:cSld>
-    <p:spTree>
-      <p:nvGrpSpPr>
-        <p:cNvPr id="1" name=""/>
-        <p:cNvGrpSpPr/>
-        <p:nvPr/>
-      </p:nvGrpSpPr>
-      <p:grpSpPr>
-        <a:xfrm>
-          <a:off x="0" y="0"/>
-          <a:ext cx="0" cy="0"/>
-          <a:chOff x="0" y="0"/>
-          <a:chExt cx="0" cy="0"/>
-        </a:xfrm>
-      </p:grpSpPr>
-      <p:sp>
-        <p:nvSpPr>
-          <p:cNvPr id="2" name="标题 1"/>
-          <p:cNvSpPr>
-            <a:spLocks noGrp="1"/>
-          </p:cNvSpPr>
-          <p:nvPr>
-            <p:ph type="title"/>
-          </p:nvPr>
-        </p:nvSpPr>
-        <p:spPr/>
-        <p:txBody>
-          <a:bodyPr/>
-          <a:lstStyle/>
-          <a:p>
-            <a:pPr>
-              <a:defRPr/>
-            </a:pPr>
-            <a:r>
-              <a:rPr lang="zh-CN" altLang="en-US" b="1" kern="1200" dirty="0">
-                <a:latin typeface="黑体" pitchFamily="49" charset="-122"/>
-                <a:ea typeface="黑体" pitchFamily="49" charset="-122"/>
-                <a:cs typeface="+mn-cs"/>
-              </a:rPr>
-              <a:t>瀑布模型分析（续）</a:t>
-            </a:r>
-            <a:r>
-              <a:rPr lang="en-US" altLang="zh-CN" b="1" kern="1200" dirty="0" smtClean="0">
-                <a:latin typeface="黑体" pitchFamily="49" charset="-122"/>
-                <a:ea typeface="黑体" pitchFamily="49" charset="-122"/>
-                <a:cs typeface="+mn-cs"/>
-              </a:rPr>
-              <a:t>——</a:t>
-            </a:r>
-            <a:r>
-              <a:rPr lang="zh-CN" altLang="en-US" b="1" kern="1200" dirty="0" smtClean="0">
-                <a:latin typeface="黑体" pitchFamily="49" charset="-122"/>
-                <a:ea typeface="黑体" pitchFamily="49" charset="-122"/>
-                <a:cs typeface="+mn-cs"/>
-              </a:rPr>
-              <a:t>缺点</a:t>
-            </a:r>
-            <a:endParaRPr b="1" kern="1200" dirty="0">
-              <a:latin typeface="黑体" pitchFamily="49" charset="-122"/>
-              <a:ea typeface="黑体" pitchFamily="49" charset="-122"/>
-              <a:cs typeface="+mn-cs"/>
-            </a:endParaRPr>
-          </a:p>
-        </p:txBody>
-      </p:sp>
-      <p:sp>
-        <p:nvSpPr>
-          <p:cNvPr id="3" name="内容占位符 2"/>
-          <p:cNvSpPr>
-            <a:spLocks noGrp="1"/>
-          </p:cNvSpPr>
-          <p:nvPr>
-            <p:ph idx="1"/>
-          </p:nvPr>
-        </p:nvSpPr>
-        <p:spPr/>
-        <p:txBody>
-          <a:bodyPr/>
-          <a:lstStyle/>
-          <a:p>
-            <a:r>
-              <a:rPr lang="zh-CN" altLang="en-US" b="1" dirty="0" smtClean="0">
-                <a:latin typeface="+mn-ea"/>
-              </a:rPr>
-              <a:t>线性严格</a:t>
-            </a:r>
-            <a:r>
-              <a:rPr lang="en-US" altLang="zh-CN" b="1" dirty="0" smtClean="0">
-                <a:latin typeface="+mn-ea"/>
-              </a:rPr>
-              <a:t>——</a:t>
-            </a:r>
-            <a:r>
-              <a:rPr lang="zh-CN" altLang="en-US" b="1" dirty="0" smtClean="0">
-                <a:latin typeface="+mn-ea"/>
-              </a:rPr>
-              <a:t>成果</a:t>
-            </a:r>
-            <a:r>
-              <a:rPr lang="zh-CN" altLang="en-US" b="1" dirty="0">
-                <a:latin typeface="+mn-ea"/>
-              </a:rPr>
-              <a:t>晚出</a:t>
-            </a:r>
-            <a:r>
-              <a:rPr lang="en-US" altLang="zh-CN" b="1" dirty="0">
-                <a:latin typeface="+mn-ea"/>
-              </a:rPr>
-              <a:t>——</a:t>
-            </a:r>
-            <a:r>
-              <a:rPr lang="zh-CN" altLang="en-US" b="1" dirty="0" smtClean="0">
-                <a:latin typeface="+mn-ea"/>
-              </a:rPr>
-              <a:t>风险</a:t>
-            </a:r>
-            <a:endParaRPr lang="en-US" altLang="zh-CN" b="1" dirty="0" smtClean="0">
-              <a:latin typeface="+mn-ea"/>
-            </a:endParaRPr>
-          </a:p>
-          <a:p>
-            <a:r>
-              <a:rPr lang="zh-CN" altLang="en-US" b="1" dirty="0">
-                <a:latin typeface="+mn-ea"/>
-              </a:rPr>
-              <a:t>阶段</a:t>
-            </a:r>
-            <a:r>
-              <a:rPr lang="zh-CN" altLang="en-US" b="1" dirty="0" smtClean="0">
-                <a:latin typeface="+mn-ea"/>
-              </a:rPr>
-              <a:t>固定</a:t>
-            </a:r>
-            <a:r>
-              <a:rPr lang="en-US" altLang="zh-CN" b="1" dirty="0" smtClean="0">
-                <a:latin typeface="+mn-ea"/>
-              </a:rPr>
-              <a:t>——</a:t>
-            </a:r>
-            <a:r>
-              <a:rPr lang="zh-CN" altLang="en-US" b="1" dirty="0" smtClean="0">
-                <a:latin typeface="+mn-ea"/>
-              </a:rPr>
-              <a:t>反复</a:t>
-            </a:r>
-            <a:r>
-              <a:rPr lang="en-US" altLang="zh-CN" b="1" dirty="0" smtClean="0">
-                <a:latin typeface="+mn-ea"/>
-              </a:rPr>
-              <a:t>&amp;</a:t>
-            </a:r>
-            <a:r>
-              <a:rPr lang="zh-CN" altLang="en-US" b="1" dirty="0" smtClean="0">
-                <a:latin typeface="+mn-ea"/>
-              </a:rPr>
-              <a:t>迭代</a:t>
-            </a:r>
-            <a:r>
-              <a:rPr lang="en-US" altLang="zh-CN" b="1" dirty="0" smtClean="0">
-                <a:latin typeface="+mn-ea"/>
-              </a:rPr>
-              <a:t>——</a:t>
-            </a:r>
-            <a:r>
-              <a:rPr lang="zh-CN" altLang="en-US" b="1" dirty="0">
-                <a:latin typeface="+mn-ea"/>
-              </a:rPr>
-              <a:t>灵活性</a:t>
-            </a:r>
-            <a:endParaRPr lang="en-US" altLang="zh-CN" b="1" dirty="0" smtClean="0">
-              <a:latin typeface="+mn-ea"/>
-            </a:endParaRPr>
-          </a:p>
-          <a:p>
-            <a:r>
-              <a:rPr lang="zh-CN" altLang="en-US" b="1" dirty="0">
-                <a:latin typeface="+mn-ea"/>
-              </a:rPr>
-              <a:t>单次需求</a:t>
-            </a:r>
-            <a:r>
-              <a:rPr lang="en-US" altLang="zh-CN" b="1" dirty="0">
-                <a:latin typeface="+mn-ea"/>
-              </a:rPr>
-              <a:t>——</a:t>
-            </a:r>
-            <a:r>
-              <a:rPr lang="zh-CN" altLang="en-US" b="1" dirty="0">
-                <a:latin typeface="+mn-ea"/>
-              </a:rPr>
-              <a:t>需求变更</a:t>
-            </a:r>
-            <a:r>
-              <a:rPr lang="en-US" altLang="zh-CN" b="1" dirty="0">
-                <a:latin typeface="+mn-ea"/>
-              </a:rPr>
-              <a:t>——</a:t>
-            </a:r>
-            <a:r>
-              <a:rPr lang="zh-CN" altLang="en-US" b="1" dirty="0">
-                <a:latin typeface="+mn-ea"/>
-              </a:rPr>
-              <a:t>适应性</a:t>
-            </a:r>
-            <a:endParaRPr lang="en-US" altLang="zh-CN" b="1" dirty="0">
-              <a:latin typeface="+mn-ea"/>
-            </a:endParaRPr>
-          </a:p>
-          <a:p>
-            <a:r>
-              <a:rPr lang="zh-CN" altLang="en-US" b="1" dirty="0" smtClean="0">
-                <a:latin typeface="+mn-ea"/>
-              </a:rPr>
-              <a:t>测试滞后</a:t>
-            </a:r>
-            <a:r>
-              <a:rPr lang="en-US" altLang="zh-CN" b="1" dirty="0" smtClean="0">
-                <a:latin typeface="+mn-ea"/>
-              </a:rPr>
-              <a:t>——</a:t>
-            </a:r>
-            <a:r>
-              <a:rPr lang="zh-CN" altLang="en-US" b="1" dirty="0" smtClean="0">
-                <a:latin typeface="+mn-ea"/>
-              </a:rPr>
-              <a:t>缺陷晚查</a:t>
-            </a:r>
-            <a:r>
-              <a:rPr lang="en-US" altLang="zh-CN" b="1" dirty="0" smtClean="0">
-                <a:latin typeface="+mn-ea"/>
-              </a:rPr>
-              <a:t>——</a:t>
-            </a:r>
-            <a:r>
-              <a:rPr lang="zh-CN" altLang="en-US" b="1" dirty="0" smtClean="0">
-                <a:latin typeface="+mn-ea"/>
-              </a:rPr>
-              <a:t>代价</a:t>
-            </a:r>
-            <a:endParaRPr lang="en-US" altLang="zh-CN" b="1" dirty="0" smtClean="0">
-              <a:latin typeface="+mn-ea"/>
-            </a:endParaRPr>
-          </a:p>
-        </p:txBody>
-      </p:sp>
-      <p:pic>
-        <p:nvPicPr>
-          <p:cNvPr id="1026" name="Picture 2"/>
-          <p:cNvPicPr>
-            <a:picLocks noChangeAspect="1" noChangeArrowheads="1"/>
-          </p:cNvPicPr>
-          <p:nvPr/>
-        </p:nvPicPr>
-        <p:blipFill>
-          <a:blip r:embed="rId3">
-            <a:extLst>
-              <a:ext uri="{28A0092B-C50C-407E-A947-70E740481C1C}">
-                <a14:useLocalDpi xmlns:a14="http://schemas.microsoft.com/office/drawing/2010/main" val="0"/>
-              </a:ext>
-            </a:extLst>
-          </a:blip>
-          <a:srcRect/>
-          <a:stretch>
-            <a:fillRect/>
-          </a:stretch>
-        </p:blipFill>
-        <p:spPr bwMode="auto">
-          <a:xfrm>
-            <a:off x="4932040" y="3861048"/>
-            <a:ext cx="3574747" cy="2592288"/>
-          </a:xfrm>
-          <a:prstGeom prst="rect">
-            <a:avLst/>
-          </a:prstGeom>
-          <a:ln>
-            <a:noFill/>
-          </a:ln>
-          <a:effectLst>
-            <a:outerShdw blurRad="292100" dist="139700" dir="2700000" algn="tl" rotWithShape="0">
-              <a:srgbClr val="333333">
-                <a:alpha val="65000"/>
-              </a:srgbClr>
-            </a:outerShdw>
-          </a:effectLst>
-          <a:extLst>
-            <a:ext uri="{909E8E84-426E-40DD-AFC4-6F175D3DCCD1}">
-              <a14:hiddenFill xmlns:a14="http://schemas.microsoft.com/office/drawing/2010/main">
-                <a:solidFill>
-                  <a:schemeClr val="accent1"/>
-                </a:solidFill>
-              </a14:hiddenFill>
-            </a:ext>
-            <a:ext uri="{91240B29-F687-4F45-9708-019B960494DF}">
-              <a14:hiddenLine xmlns:a14="http://schemas.microsoft.com/office/drawing/2010/main" w="9525">
-                <a:solidFill>
-                  <a:schemeClr val="tx1"/>
-                </a:solidFill>
-                <a:miter lim="800000"/>
-                <a:headEnd/>
-                <a:tailEnd/>
-              </a14:hiddenLine>
-            </a:ext>
-          </a:extLst>
-        </p:spPr>
-      </p:pic>
-    </p:spTree>
-    <p:extLst>
-      <p:ext uri="{BB962C8B-B14F-4D97-AF65-F5344CB8AC3E}">
-        <p14:creationId xmlns:p14="http://schemas.microsoft.com/office/powerpoint/2010/main" val="2846267387"/>
-      </p:ext>
-    </p:extLst>
-  </p:cSld>
-  <p:clrMapOvr>
-    <a:masterClrMapping/>
-  </p:clrMapOvr>
-  <p:transition>
-    <p:blinds dir="vert"/>
-  </p:transition>
-  <p:timing>
-    <p:tnLst>
-      <p:par>
-        <p:cTn id="1" dur="indefinite" restart="never" nodeType="tmRoot"/>
-      </p:par>
-    </p:tnLst>
-  </p:timing>
-</p:sld>
-</file>
-
-<file path=ppt/slides/slide21.xml><?xml version="1.0" encoding="utf-8"?>
-<p:sld xmlns:a="http://schemas.openxmlformats.org/drawingml/2006/main" xmlns:r="http://schemas.openxmlformats.org/officeDocument/2006/relationships" xmlns:p="http://schemas.openxmlformats.org/presentationml/2006/main">
-  <p:cSld>
-    <p:spTree>
-      <p:nvGrpSpPr>
-        <p:cNvPr id="1" name=""/>
-        <p:cNvGrpSpPr/>
-        <p:nvPr/>
-      </p:nvGrpSpPr>
-      <p:grpSpPr>
-        <a:xfrm>
-          <a:off x="0" y="0"/>
-          <a:ext cx="0" cy="0"/>
-          <a:chOff x="0" y="0"/>
-          <a:chExt cx="0" cy="0"/>
-        </a:xfrm>
-      </p:grpSpPr>
-      <p:sp>
-        <p:nvSpPr>
-          <p:cNvPr id="2" name="标题 1"/>
-          <p:cNvSpPr>
-            <a:spLocks noGrp="1"/>
-          </p:cNvSpPr>
-          <p:nvPr>
-            <p:ph type="title"/>
-          </p:nvPr>
-        </p:nvSpPr>
-        <p:spPr/>
-        <p:txBody>
-          <a:bodyPr/>
-          <a:lstStyle/>
-          <a:p>
-            <a:pPr>
-              <a:defRPr/>
-            </a:pPr>
-            <a:r>
-              <a:rPr lang="zh-CN" altLang="en-US" b="1" kern="1200" dirty="0">
-                <a:latin typeface="黑体" pitchFamily="49" charset="-122"/>
-                <a:ea typeface="黑体" pitchFamily="49" charset="-122"/>
-                <a:cs typeface="+mn-cs"/>
-              </a:rPr>
-              <a:t>瀑布模型分析（续）</a:t>
-            </a:r>
-            <a:r>
-              <a:rPr lang="en-US" altLang="zh-CN" b="1" kern="1200" dirty="0">
-                <a:latin typeface="黑体" pitchFamily="49" charset="-122"/>
-                <a:ea typeface="黑体" pitchFamily="49" charset="-122"/>
-                <a:cs typeface="+mn-cs"/>
-              </a:rPr>
-              <a:t>——</a:t>
-            </a:r>
-            <a:r>
-              <a:rPr lang="zh-CN" altLang="en-US" b="1" kern="1200" dirty="0">
-                <a:latin typeface="黑体" pitchFamily="49" charset="-122"/>
-                <a:ea typeface="黑体" pitchFamily="49" charset="-122"/>
-                <a:cs typeface="+mn-cs"/>
-              </a:rPr>
-              <a:t>实际应用</a:t>
-            </a:r>
-            <a:endParaRPr b="1" kern="1200" dirty="0">
-              <a:latin typeface="黑体" pitchFamily="49" charset="-122"/>
-              <a:ea typeface="黑体" pitchFamily="49" charset="-122"/>
-              <a:cs typeface="+mn-cs"/>
-            </a:endParaRPr>
-          </a:p>
-        </p:txBody>
-      </p:sp>
-      <p:sp>
-        <p:nvSpPr>
-          <p:cNvPr id="22531" name="内容占位符 2"/>
-          <p:cNvSpPr>
-            <a:spLocks noGrp="1"/>
-          </p:cNvSpPr>
-          <p:nvPr>
-            <p:ph idx="1"/>
-          </p:nvPr>
-        </p:nvSpPr>
-        <p:spPr/>
-        <p:txBody>
-          <a:bodyPr/>
-          <a:lstStyle/>
-          <a:p>
-            <a:r>
               <a:rPr kumimoji="1" lang="zh-CN" altLang="en-US" dirty="0" smtClean="0"/>
               <a:t>适用场合</a:t>
             </a:r>
@@ -16027,26 +12815,50 @@
           <a:p>
             <a:pPr lvl="1"/>
             <a:r>
-              <a:rPr lang="zh-CN" altLang="en-US" dirty="0" smtClean="0"/>
+              <a:rPr lang="zh-CN" altLang="en-US" dirty="0" smtClean="0">
+                <a:solidFill>
+                  <a:srgbClr val="FF0000"/>
+                </a:solidFill>
+              </a:rPr>
               <a:t>功能</a:t>
             </a:r>
             <a:r>
-              <a:rPr lang="zh-CN" altLang="en-US" dirty="0"/>
+              <a:rPr lang="zh-CN" altLang="en-US" dirty="0">
+                <a:solidFill>
+                  <a:srgbClr val="FF0000"/>
+                </a:solidFill>
+              </a:rPr>
               <a:t>、</a:t>
             </a:r>
             <a:r>
-              <a:rPr lang="zh-CN" altLang="en-US" dirty="0" smtClean="0"/>
+              <a:rPr lang="zh-CN" altLang="en-US" dirty="0" smtClean="0">
+                <a:solidFill>
+                  <a:srgbClr val="FF0000"/>
+                </a:solidFill>
+              </a:rPr>
               <a:t>性能</a:t>
             </a:r>
             <a:r>
-              <a:rPr lang="zh-CN" altLang="en-US" dirty="0"/>
+              <a:rPr lang="zh-CN" altLang="en-US" dirty="0">
+                <a:solidFill>
+                  <a:srgbClr val="FF0000"/>
+                </a:solidFill>
+              </a:rPr>
               <a:t>明确</a:t>
             </a:r>
             <a:r>
-              <a:rPr lang="zh-CN" altLang="en-US" dirty="0" smtClean="0"/>
+              <a:rPr lang="zh-CN" altLang="en-US" dirty="0" smtClean="0">
+                <a:solidFill>
+                  <a:srgbClr val="FF0000"/>
+                </a:solidFill>
+              </a:rPr>
               <a:t>完整</a:t>
             </a:r>
-            <a:endParaRPr lang="en-US" altLang="zh-CN" dirty="0" smtClean="0"/>
+            <a:endParaRPr lang="en-US" altLang="zh-CN" dirty="0" smtClean="0">
+              <a:solidFill>
+                <a:srgbClr val="FF0000"/>
+              </a:solidFill>
+            </a:endParaRPr>
           </a:p>
           <a:p>
             <a:pPr lvl="1"/>
@@ -16709,7 +13521,7 @@
 </p:sld>
 </file>
 
-<file path=ppt/slides/slide22.xml><?xml version="1.0" encoding="utf-8"?>
+<file path=ppt/slides/slide18.xml><?xml version="1.0" encoding="utf-8"?>
 <p:sld xmlns:a="http://schemas.openxmlformats.org/drawingml/2006/main" xmlns:r="http://schemas.openxmlformats.org/officeDocument/2006/relationships" xmlns:p="http://schemas.openxmlformats.org/presentationml/2006/main" showMasterPhAnim="0">
   <p:cSld>
     <p:spTree>
@@ -17242,7 +14054,7 @@
 </p:sld>
 </file>
 
-<file path=ppt/slides/slide23.xml><?xml version="1.0" encoding="utf-8"?>
+<file path=ppt/slides/slide19.xml><?xml version="1.0" encoding="utf-8"?>
 <p:sld xmlns:a="http://schemas.openxmlformats.org/drawingml/2006/main" xmlns:r="http://schemas.openxmlformats.org/officeDocument/2006/relationships" xmlns:p="http://schemas.openxmlformats.org/presentationml/2006/main" showMasterPhAnim="0">
   <p:cSld>
     <p:spTree>
@@ -17340,15 +14152,6 @@
           </a:p>
           <a:p>
             <a:endParaRPr lang="en-US" altLang="zh-CN" dirty="0" smtClean="0"/>
-          </a:p>
-          <a:p>
-            <a:endParaRPr lang="en-US" altLang="zh-CN" dirty="0" smtClean="0"/>
-          </a:p>
-          <a:p>
-            <a:endParaRPr lang="en-US" altLang="zh-CN" dirty="0" smtClean="0"/>
-          </a:p>
-          <a:p>
-            <a:endParaRPr lang="zh-CN" altLang="en-US" dirty="0" smtClean="0"/>
           </a:p>
           <a:p>
             <a:pPr marL="800100" lvl="1" indent="-166688">
@@ -18394,7 +15197,7 @@
                                         <p:tgtEl>
                                           <p:spTgt spid="143363">
                                             <p:txEl>
-                                              <p:pRg st="12" end="12"/>
+                                              <p:pRg st="9" end="9"/>
                                             </p:txEl>
                                           </p:spTgt>
                                         </p:tgtEl>
@@ -18412,7 +15215,7 @@
                                         <p:tgtEl>
                                           <p:spTgt spid="143363">
                                             <p:txEl>
-                                              <p:pRg st="12" end="12"/>
+                                              <p:pRg st="9" end="9"/>
                                             </p:txEl>
                                           </p:spTgt>
                                         </p:tgtEl>
@@ -18456,7 +15259,286 @@
 </p:sld>
 </file>
 
-<file path=ppt/slides/slide24.xml><?xml version="1.0" encoding="utf-8"?>
+<file path=ppt/slides/slide2.xml><?xml version="1.0" encoding="utf-8"?>
+<p:sld xmlns:a="http://schemas.openxmlformats.org/drawingml/2006/main" xmlns:r="http://schemas.openxmlformats.org/officeDocument/2006/relationships" xmlns:p="http://schemas.openxmlformats.org/presentationml/2006/main">
+  <p:cSld>
+    <p:spTree>
+      <p:nvGrpSpPr>
+        <p:cNvPr id="1" name=""/>
+        <p:cNvGrpSpPr/>
+        <p:nvPr/>
+      </p:nvGrpSpPr>
+      <p:grpSpPr>
+        <a:xfrm>
+          <a:off x="0" y="0"/>
+          <a:ext cx="0" cy="0"/>
+          <a:chOff x="0" y="0"/>
+          <a:chExt cx="0" cy="0"/>
+        </a:xfrm>
+      </p:grpSpPr>
+      <p:sp>
+        <p:nvSpPr>
+          <p:cNvPr id="4098" name="灯片编号占位符 5"/>
+          <p:cNvSpPr>
+            <a:spLocks noGrp="1"/>
+          </p:cNvSpPr>
+          <p:nvPr>
+            <p:ph type="sldNum" sz="quarter" idx="12"/>
+          </p:nvPr>
+        </p:nvSpPr>
+        <p:spPr>
+          <a:noFill/>
+          <a:ln/>
+          <a:extLst>
+            <a:ext uri="{909E8E84-426E-40DD-AFC4-6F175D3DCCD1}">
+              <a14:hiddenFill xmlns:a14="http://schemas.microsoft.com/office/drawing/2010/main">
+                <a:solidFill>
+                  <a:srgbClr val="FFFFFF"/>
+                </a:solidFill>
+              </a14:hiddenFill>
+            </a:ext>
+            <a:ext uri="{91240B29-F687-4F45-9708-019B960494DF}">
+              <a14:hiddenLine xmlns:a14="http://schemas.microsoft.com/office/drawing/2010/main" w="9525">
+                <a:solidFill>
+                  <a:srgbClr val="000000"/>
+                </a:solidFill>
+                <a:miter lim="800000"/>
+                <a:headEnd/>
+                <a:tailEnd/>
+              </a14:hiddenLine>
+            </a:ext>
+          </a:extLst>
+        </p:spPr>
+        <p:txBody>
+          <a:bodyPr/>
+          <a:lstStyle>
+            <a:lvl1pPr eaLnBrk="0" hangingPunct="0">
+              <a:defRPr>
+                <a:solidFill>
+                  <a:schemeClr val="tx1"/>
+                </a:solidFill>
+                <a:latin typeface="Verdana" pitchFamily="34" charset="0"/>
+                <a:ea typeface="宋体" pitchFamily="2" charset="-122"/>
+              </a:defRPr>
+            </a:lvl1pPr>
+            <a:lvl2pPr marL="742950" indent="-285750" eaLnBrk="0" hangingPunct="0">
+              <a:defRPr>
+                <a:solidFill>
+                  <a:schemeClr val="tx1"/>
+                </a:solidFill>
+                <a:latin typeface="Verdana" pitchFamily="34" charset="0"/>
+                <a:ea typeface="宋体" pitchFamily="2" charset="-122"/>
+              </a:defRPr>
+            </a:lvl2pPr>
+            <a:lvl3pPr marL="1143000" indent="-228600" eaLnBrk="0" hangingPunct="0">
+              <a:defRPr>
+                <a:solidFill>
+                  <a:schemeClr val="tx1"/>
+                </a:solidFill>
+                <a:latin typeface="Verdana" pitchFamily="34" charset="0"/>
+                <a:ea typeface="宋体" pitchFamily="2" charset="-122"/>
+              </a:defRPr>
+            </a:lvl3pPr>
+            <a:lvl4pPr marL="1600200" indent="-228600" eaLnBrk="0" hangingPunct="0">
+              <a:defRPr>
+                <a:solidFill>
+                  <a:schemeClr val="tx1"/>
+                </a:solidFill>
+                <a:latin typeface="Verdana" pitchFamily="34" charset="0"/>
+                <a:ea typeface="宋体" pitchFamily="2" charset="-122"/>
+              </a:defRPr>
+            </a:lvl4pPr>
+            <a:lvl5pPr marL="2057400" indent="-228600" eaLnBrk="0" hangingPunct="0">
+              <a:defRPr>
+                <a:solidFill>
+                  <a:schemeClr val="tx1"/>
+                </a:solidFill>
+                <a:latin typeface="Verdana" pitchFamily="34" charset="0"/>
+                <a:ea typeface="宋体" pitchFamily="2" charset="-122"/>
+              </a:defRPr>
+            </a:lvl5pPr>
+            <a:lvl6pPr marL="2514600" indent="-228600" eaLnBrk="0" fontAlgn="base" hangingPunct="0">
+              <a:spcBef>
+                <a:spcPct val="0"/>
+              </a:spcBef>
+              <a:spcAft>
+                <a:spcPct val="0"/>
+              </a:spcAft>
+              <a:defRPr>
+                <a:solidFill>
+                  <a:schemeClr val="tx1"/>
+                </a:solidFill>
+                <a:latin typeface="Verdana" pitchFamily="34" charset="0"/>
+                <a:ea typeface="宋体" pitchFamily="2" charset="-122"/>
+              </a:defRPr>
+            </a:lvl6pPr>
+            <a:lvl7pPr marL="2971800" indent="-228600" eaLnBrk="0" fontAlgn="base" hangingPunct="0">
+              <a:spcBef>
+                <a:spcPct val="0"/>
+              </a:spcBef>
+              <a:spcAft>
+                <a:spcPct val="0"/>
+              </a:spcAft>
+              <a:defRPr>
+                <a:solidFill>
+                  <a:schemeClr val="tx1"/>
+                </a:solidFill>
+                <a:latin typeface="Verdana" pitchFamily="34" charset="0"/>
+                <a:ea typeface="宋体" pitchFamily="2" charset="-122"/>
+              </a:defRPr>
+            </a:lvl7pPr>
+            <a:lvl8pPr marL="3429000" indent="-228600" eaLnBrk="0" fontAlgn="base" hangingPunct="0">
+              <a:spcBef>
+                <a:spcPct val="0"/>
+              </a:spcBef>
+              <a:spcAft>
+                <a:spcPct val="0"/>
+              </a:spcAft>
+              <a:defRPr>
+                <a:solidFill>
+                  <a:schemeClr val="tx1"/>
+                </a:solidFill>
+                <a:latin typeface="Verdana" pitchFamily="34" charset="0"/>
+                <a:ea typeface="宋体" pitchFamily="2" charset="-122"/>
+              </a:defRPr>
+            </a:lvl8pPr>
+            <a:lvl9pPr marL="3886200" indent="-228600" eaLnBrk="0" fontAlgn="base" hangingPunct="0">
+              <a:spcBef>
+                <a:spcPct val="0"/>
+              </a:spcBef>
+              <a:spcAft>
+                <a:spcPct val="0"/>
+              </a:spcAft>
+              <a:defRPr>
+                <a:solidFill>
+                  <a:schemeClr val="tx1"/>
+                </a:solidFill>
+                <a:latin typeface="Verdana" pitchFamily="34" charset="0"/>
+                <a:ea typeface="宋体" pitchFamily="2" charset="-122"/>
+              </a:defRPr>
+            </a:lvl9pPr>
+          </a:lstStyle>
+          <a:p>
+            <a:pPr eaLnBrk="1" hangingPunct="1"/>
+            <a:fld id="{00D856F0-7BE2-4B3C-BE9E-9024D91CDFBF}" type="slidenum">
+              <a:rPr lang="en-US" altLang="zh-CN" smtClean="0"/>
+              <a:pPr eaLnBrk="1" hangingPunct="1"/>
+              <a:t>2</a:t>
+            </a:fld>
+            <a:endParaRPr lang="en-US" altLang="zh-CN" smtClean="0"/>
+          </a:p>
+        </p:txBody>
+      </p:sp>
+      <p:sp>
+        <p:nvSpPr>
+          <p:cNvPr id="4099" name="Rectangle 2"/>
+          <p:cNvSpPr>
+            <a:spLocks noGrp="1" noChangeArrowheads="1"/>
+          </p:cNvSpPr>
+          <p:nvPr>
+            <p:ph type="title"/>
+          </p:nvPr>
+        </p:nvSpPr>
+        <p:spPr/>
+        <p:txBody>
+          <a:bodyPr/>
+          <a:lstStyle/>
+          <a:p>
+            <a:pPr eaLnBrk="1" hangingPunct="1"/>
+            <a:r>
+              <a:rPr lang="zh-CN" altLang="en-US" b="1" dirty="0" smtClean="0">
+                <a:latin typeface="黑体" pitchFamily="49" charset="-122"/>
+                <a:ea typeface="黑体" pitchFamily="49" charset="-122"/>
+              </a:rPr>
+              <a:t>第</a:t>
+            </a:r>
+            <a:r>
+              <a:rPr lang="en-US" altLang="zh-CN" b="1" dirty="0" smtClean="0">
+                <a:latin typeface="黑体" pitchFamily="49" charset="-122"/>
+                <a:ea typeface="黑体" pitchFamily="49" charset="-122"/>
+              </a:rPr>
+              <a:t>10</a:t>
+            </a:r>
+            <a:r>
+              <a:rPr lang="zh-CN" altLang="en-US" b="1" dirty="0" smtClean="0">
+                <a:latin typeface="黑体" pitchFamily="49" charset="-122"/>
+                <a:ea typeface="黑体" pitchFamily="49" charset="-122"/>
+              </a:rPr>
+              <a:t>章  测试过程管理（补充）</a:t>
+            </a:r>
+          </a:p>
+        </p:txBody>
+      </p:sp>
+      <p:sp>
+        <p:nvSpPr>
+          <p:cNvPr id="4100" name="Rectangle 3"/>
+          <p:cNvSpPr>
+            <a:spLocks noGrp="1" noChangeArrowheads="1"/>
+          </p:cNvSpPr>
+          <p:nvPr>
+            <p:ph type="body" idx="1"/>
+          </p:nvPr>
+        </p:nvSpPr>
+        <p:spPr/>
+        <p:txBody>
+          <a:bodyPr/>
+          <a:lstStyle/>
+          <a:p>
+            <a:pPr eaLnBrk="1" hangingPunct="1"/>
+            <a:r>
+              <a:rPr lang="zh-CN" altLang="en-US" sz="3400" b="1" dirty="0" smtClean="0"/>
+              <a:t>内容提要</a:t>
+            </a:r>
+          </a:p>
+          <a:p>
+            <a:pPr lvl="1" eaLnBrk="1" hangingPunct="1">
+              <a:lnSpc>
+                <a:spcPct val="150000"/>
+              </a:lnSpc>
+              <a:defRPr/>
+            </a:pPr>
+            <a:r>
+              <a:rPr lang="zh-CN" altLang="en-US" b="1" dirty="0" smtClean="0"/>
+              <a:t>了解</a:t>
+            </a:r>
+            <a:r>
+              <a:rPr lang="zh-CN" altLang="en-US" b="1" dirty="0"/>
+              <a:t>常见的软件开发模型</a:t>
+            </a:r>
+            <a:endParaRPr lang="en-US" altLang="zh-CN" b="1" dirty="0"/>
+          </a:p>
+          <a:p>
+            <a:pPr lvl="1" eaLnBrk="1" hangingPunct="1">
+              <a:lnSpc>
+                <a:spcPct val="150000"/>
+              </a:lnSpc>
+              <a:defRPr/>
+            </a:pPr>
+            <a:r>
+              <a:rPr lang="zh-CN" altLang="en-US" b="1" dirty="0"/>
+              <a:t>理解瀑布模型的内涵及优缺点</a:t>
+            </a:r>
+            <a:endParaRPr lang="en-US" altLang="zh-CN" b="1" dirty="0"/>
+          </a:p>
+        </p:txBody>
+      </p:sp>
+    </p:spTree>
+  </p:cSld>
+  <p:clrMapOvr>
+    <a:masterClrMapping/>
+  </p:clrMapOvr>
+  <p:transition/>
+  <p:timing>
+    <p:tnLst>
+      <p:par>
+        <p:cTn id="1" dur="indefinite" restart="never" nodeType="tmRoot"/>
+      </p:par>
+    </p:tnLst>
+  </p:timing>
+</p:sld>
+</file>
+
+<file path=ppt/slides/slide20.xml><?xml version="1.0" encoding="utf-8"?>
 <p:sld xmlns:a="http://schemas.openxmlformats.org/drawingml/2006/main" xmlns:r="http://schemas.openxmlformats.org/officeDocument/2006/relationships" xmlns:p="http://schemas.openxmlformats.org/presentationml/2006/main">
   <p:cSld>
     <p:spTree>
@@ -18568,10 +15650,22 @@
               <a:rPr lang="zh-CN" altLang="en-US" sz="2400" b="1" dirty="0">
                 <a:latin typeface="+mn-ea"/>
               </a:rPr>
-              <a:t>以人为核心、迭代、</a:t>
+              <a:t>以人为</a:t>
+            </a:r>
+            <a:r>
+              <a:rPr lang="zh-CN" altLang="en-US" sz="2400" b="1" dirty="0">
+                <a:solidFill>
+                  <a:srgbClr val="FF0000"/>
+                </a:solidFill>
+                <a:latin typeface="+mn-ea"/>
+              </a:rPr>
+              <a:t>核心、迭代、</a:t>
             </a:r>
             <a:r>
               <a:rPr lang="zh-CN" altLang="en-US" sz="2400" b="1" dirty="0" smtClean="0">
+                <a:solidFill>
+                  <a:srgbClr val="FF0000"/>
+                </a:solidFill>
                 <a:latin typeface="+mn-ea"/>
               </a:rPr>
               <a:t>循序渐进</a:t>
@@ -18607,6 +15701,9 @@
             </a:r>
             <a:r>
               <a:rPr lang="en-US" altLang="zh-CN" sz="2400" b="1" dirty="0">
+                <a:solidFill>
+                  <a:srgbClr val="FF0000"/>
+                </a:solidFill>
                 <a:latin typeface="+mn-ea"/>
               </a:rPr>
               <a:t>Scrum</a:t>
@@ -18807,7 +15904,7 @@
 </p:sld>
 </file>
 
-<file path=ppt/slides/slide25.xml><?xml version="1.0" encoding="utf-8"?>
+<file path=ppt/slides/slide21.xml><?xml version="1.0" encoding="utf-8"?>
 <p:sld xmlns:a="http://schemas.openxmlformats.org/drawingml/2006/main" xmlns:r="http://schemas.openxmlformats.org/officeDocument/2006/relationships" xmlns:p="http://schemas.openxmlformats.org/presentationml/2006/main">
   <p:cSld>
     <p:spTree>
@@ -19016,7 +16113,7 @@
             <a:fld id="{8FE06C3E-09C7-4533-B002-A276390B2DC0}" type="slidenum">
               <a:rPr lang="en-US" altLang="zh-CN" smtClean="0"/>
               <a:pPr eaLnBrk="1" hangingPunct="1"/>
-              <a:t>25</a:t>
+              <a:t>21</a:t>
             </a:fld>
             <a:endParaRPr lang="en-US" altLang="zh-CN" smtClean="0"/>
           </a:p>
